--- a/ProvaPresentazione.pptx
+++ b/ProvaPresentazione.pptx
@@ -5,7 +5,7 @@
     <p:sldMasterId id="2147483648" r:id="rId1"/>
   </p:sldMasterIdLst>
   <p:notesMasterIdLst>
-    <p:notesMasterId r:id="rId14"/>
+    <p:notesMasterId r:id="rId16"/>
   </p:notesMasterIdLst>
   <p:sldIdLst>
     <p:sldId id="256" r:id="rId2"/>
@@ -16,10 +16,12 @@
     <p:sldId id="262" r:id="rId7"/>
     <p:sldId id="273" r:id="rId8"/>
     <p:sldId id="274" r:id="rId9"/>
-    <p:sldId id="265" r:id="rId10"/>
-    <p:sldId id="266" r:id="rId11"/>
-    <p:sldId id="267" r:id="rId12"/>
-    <p:sldId id="268" r:id="rId13"/>
+    <p:sldId id="275" r:id="rId10"/>
+    <p:sldId id="265" r:id="rId11"/>
+    <p:sldId id="276" r:id="rId12"/>
+    <p:sldId id="266" r:id="rId13"/>
+    <p:sldId id="267" r:id="rId14"/>
+    <p:sldId id="268" r:id="rId15"/>
   </p:sldIdLst>
   <p:sldSz cx="12192000" cy="6858000"/>
   <p:notesSz cx="6858000" cy="9144000"/>
@@ -234,7 +236,7 @@
           <a:p>
             <a:fld id="{95509540-211D-4DA4-8A27-CB6D858BAD3C}" type="datetimeFigureOut">
               <a:rPr lang="it-IT" smtClean="0"/>
-              <a:t>09/05/2019</a:t>
+              <a:t>10/05/2019</a:t>
             </a:fld>
             <a:endParaRPr lang="it-IT"/>
           </a:p>
@@ -392,7 +394,7 @@
           <a:p>
             <a:fld id="{7B2A6B76-82CF-4256-BBC9-D86BD976B40E}" type="slidenum">
               <a:rPr lang="it-IT" smtClean="0"/>
-              <a:t>‹N›</a:t>
+              <a:t>‹#›</a:t>
             </a:fld>
             <a:endParaRPr lang="it-IT"/>
           </a:p>
@@ -831,7 +833,7 @@
             <a:fld id="{B61BEF0D-F0BB-DE4B-95CE-6DB70DBA9567}" type="datetimeFigureOut">
               <a:rPr lang="en-US" dirty="0"/>
               <a:pPr/>
-              <a:t>5/9/2019</a:t>
+              <a:t>5/10/2019</a:t>
             </a:fld>
             <a:endParaRPr lang="en-US" dirty="0"/>
           </a:p>
@@ -906,7 +908,7 @@
             <a:fld id="{D57F1E4F-1CFF-5643-939E-217C01CDF565}" type="slidenum">
               <a:rPr lang="en-US" dirty="0"/>
               <a:pPr/>
-              <a:t>‹N›</a:t>
+              <a:t>‹#›</a:t>
             </a:fld>
             <a:endParaRPr lang="en-US" dirty="0"/>
           </a:p>
@@ -1238,7 +1240,7 @@
             <a:fld id="{B61BEF0D-F0BB-DE4B-95CE-6DB70DBA9567}" type="datetimeFigureOut">
               <a:rPr lang="en-US" dirty="0"/>
               <a:pPr/>
-              <a:t>5/9/2019</a:t>
+              <a:t>5/10/2019</a:t>
             </a:fld>
             <a:endParaRPr lang="en-US" dirty="0"/>
           </a:p>
@@ -1303,7 +1305,7 @@
             <a:fld id="{D57F1E4F-1CFF-5643-939E-217C01CDF565}" type="slidenum">
               <a:rPr lang="en-US" dirty="0"/>
               <a:pPr/>
-              <a:t>‹N›</a:t>
+              <a:t>‹#›</a:t>
             </a:fld>
             <a:endParaRPr lang="en-US" dirty="0"/>
           </a:p>
@@ -1524,7 +1526,7 @@
             <a:fld id="{B61BEF0D-F0BB-DE4B-95CE-6DB70DBA9567}" type="datetimeFigureOut">
               <a:rPr lang="en-US" dirty="0"/>
               <a:pPr/>
-              <a:t>5/9/2019</a:t>
+              <a:t>5/10/2019</a:t>
             </a:fld>
             <a:endParaRPr lang="en-US" dirty="0"/>
           </a:p>
@@ -1567,7 +1569,7 @@
             <a:fld id="{D57F1E4F-1CFF-5643-939E-217C01CDF565}" type="slidenum">
               <a:rPr lang="en-US" dirty="0"/>
               <a:pPr/>
-              <a:t>‹N›</a:t>
+              <a:t>‹#›</a:t>
             </a:fld>
             <a:endParaRPr lang="en-US" dirty="0"/>
           </a:p>
@@ -1751,7 +1753,7 @@
             <a:fld id="{B61BEF0D-F0BB-DE4B-95CE-6DB70DBA9567}" type="datetimeFigureOut">
               <a:rPr lang="en-US" dirty="0"/>
               <a:pPr/>
-              <a:t>5/9/2019</a:t>
+              <a:t>5/10/2019</a:t>
             </a:fld>
             <a:endParaRPr lang="en-US" dirty="0"/>
           </a:p>
@@ -1794,7 +1796,7 @@
             <a:fld id="{D57F1E4F-1CFF-5643-939E-217C01CDF565}" type="slidenum">
               <a:rPr lang="en-US" dirty="0"/>
               <a:pPr/>
-              <a:t>‹N›</a:t>
+              <a:t>‹#›</a:t>
             </a:fld>
             <a:endParaRPr lang="en-US" dirty="0"/>
           </a:p>
@@ -1983,7 +1985,7 @@
             <a:fld id="{B61BEF0D-F0BB-DE4B-95CE-6DB70DBA9567}" type="datetimeFigureOut">
               <a:rPr lang="en-US" dirty="0"/>
               <a:pPr/>
-              <a:t>5/9/2019</a:t>
+              <a:t>5/10/2019</a:t>
             </a:fld>
             <a:endParaRPr lang="en-US" dirty="0"/>
           </a:p>
@@ -2047,7 +2049,7 @@
             <a:fld id="{D57F1E4F-1CFF-5643-939E-217C01CDF565}" type="slidenum">
               <a:rPr lang="en-US" dirty="0"/>
               <a:pPr/>
-              <a:t>‹N›</a:t>
+              <a:t>‹#›</a:t>
             </a:fld>
             <a:endParaRPr lang="en-US" dirty="0"/>
           </a:p>
@@ -2220,7 +2222,7 @@
             <a:fld id="{B61BEF0D-F0BB-DE4B-95CE-6DB70DBA9567}" type="datetimeFigureOut">
               <a:rPr lang="en-US" dirty="0"/>
               <a:pPr/>
-              <a:t>5/9/2019</a:t>
+              <a:t>5/10/2019</a:t>
             </a:fld>
             <a:endParaRPr lang="en-US" dirty="0"/>
           </a:p>
@@ -2268,7 +2270,7 @@
             <a:fld id="{D57F1E4F-1CFF-5643-939E-217C01CDF565}" type="slidenum">
               <a:rPr lang="en-US" dirty="0"/>
               <a:pPr/>
-              <a:t>‹N›</a:t>
+              <a:t>‹#›</a:t>
             </a:fld>
             <a:endParaRPr lang="en-US" dirty="0"/>
           </a:p>
@@ -2524,7 +2526,7 @@
             <a:fld id="{B61BEF0D-F0BB-DE4B-95CE-6DB70DBA9567}" type="datetimeFigureOut">
               <a:rPr lang="en-US" dirty="0"/>
               <a:pPr/>
-              <a:t>5/9/2019</a:t>
+              <a:t>5/10/2019</a:t>
             </a:fld>
             <a:endParaRPr lang="en-US" dirty="0"/>
           </a:p>
@@ -2589,7 +2591,7 @@
             <a:fld id="{D57F1E4F-1CFF-5643-939E-217C01CDF565}" type="slidenum">
               <a:rPr lang="en-US" dirty="0"/>
               <a:pPr/>
-              <a:t>‹N›</a:t>
+              <a:t>‹#›</a:t>
             </a:fld>
             <a:endParaRPr lang="en-US" dirty="0"/>
           </a:p>
@@ -2823,7 +2825,7 @@
             <a:fld id="{B61BEF0D-F0BB-DE4B-95CE-6DB70DBA9567}" type="datetimeFigureOut">
               <a:rPr lang="en-US" dirty="0"/>
               <a:pPr/>
-              <a:t>5/9/2019</a:t>
+              <a:t>5/10/2019</a:t>
             </a:fld>
             <a:endParaRPr lang="en-US" dirty="0"/>
           </a:p>
@@ -2866,7 +2868,7 @@
             <a:fld id="{D57F1E4F-1CFF-5643-939E-217C01CDF565}" type="slidenum">
               <a:rPr lang="en-US" dirty="0"/>
               <a:pPr/>
-              <a:t>‹N›</a:t>
+              <a:t>‹#›</a:t>
             </a:fld>
             <a:endParaRPr lang="en-US" dirty="0"/>
           </a:p>
@@ -3242,7 +3244,7 @@
             <a:fld id="{B61BEF0D-F0BB-DE4B-95CE-6DB70DBA9567}" type="datetimeFigureOut">
               <a:rPr lang="en-US" dirty="0"/>
               <a:pPr/>
-              <a:t>5/9/2019</a:t>
+              <a:t>5/10/2019</a:t>
             </a:fld>
             <a:endParaRPr lang="en-US" dirty="0"/>
           </a:p>
@@ -3285,7 +3287,7 @@
             <a:fld id="{D57F1E4F-1CFF-5643-939E-217C01CDF565}" type="slidenum">
               <a:rPr lang="en-US" dirty="0"/>
               <a:pPr/>
-              <a:t>‹N›</a:t>
+              <a:t>‹#›</a:t>
             </a:fld>
             <a:endParaRPr lang="en-US" dirty="0"/>
           </a:p>
@@ -3334,7 +3336,7 @@
             <a:fld id="{B61BEF0D-F0BB-DE4B-95CE-6DB70DBA9567}" type="datetimeFigureOut">
               <a:rPr lang="en-US" dirty="0"/>
               <a:pPr/>
-              <a:t>5/9/2019</a:t>
+              <a:t>5/10/2019</a:t>
             </a:fld>
             <a:endParaRPr lang="en-US" dirty="0"/>
           </a:p>
@@ -3377,7 +3379,7 @@
             <a:fld id="{D57F1E4F-1CFF-5643-939E-217C01CDF565}" type="slidenum">
               <a:rPr lang="en-US" dirty="0"/>
               <a:pPr/>
-              <a:t>‹N›</a:t>
+              <a:t>‹#›</a:t>
             </a:fld>
             <a:endParaRPr lang="en-US" dirty="0"/>
           </a:p>
@@ -3493,7 +3495,7 @@
             <a:fld id="{B61BEF0D-F0BB-DE4B-95CE-6DB70DBA9567}" type="datetimeFigureOut">
               <a:rPr lang="en-US" dirty="0"/>
               <a:pPr/>
-              <a:t>5/9/2019</a:t>
+              <a:t>5/10/2019</a:t>
             </a:fld>
             <a:endParaRPr lang="en-US" dirty="0"/>
           </a:p>
@@ -3536,7 +3538,7 @@
             <a:fld id="{D57F1E4F-1CFF-5643-939E-217C01CDF565}" type="slidenum">
               <a:rPr lang="en-US" dirty="0"/>
               <a:pPr/>
-              <a:t>‹N›</a:t>
+              <a:t>‹#›</a:t>
             </a:fld>
             <a:endParaRPr lang="en-US" dirty="0"/>
           </a:p>
@@ -3620,7 +3622,7 @@
             <a:fld id="{B61BEF0D-F0BB-DE4B-95CE-6DB70DBA9567}" type="datetimeFigureOut">
               <a:rPr lang="en-US" smtClean="0"/>
               <a:pPr/>
-              <a:t>5/9/2019</a:t>
+              <a:t>5/10/2019</a:t>
             </a:fld>
             <a:endParaRPr lang="en-US" dirty="0"/>
           </a:p>
@@ -3675,7 +3677,7 @@
             <a:fld id="{D57F1E4F-1CFF-5643-939E-217C01CDF565}" type="slidenum">
               <a:rPr lang="en-US" smtClean="0"/>
               <a:pPr/>
-              <a:t>‹N›</a:t>
+              <a:t>‹#›</a:t>
             </a:fld>
             <a:endParaRPr lang="en-US" dirty="0"/>
           </a:p>
@@ -3764,7 +3766,7 @@
             <a:fld id="{B61BEF0D-F0BB-DE4B-95CE-6DB70DBA9567}" type="datetimeFigureOut">
               <a:rPr lang="en-US" smtClean="0"/>
               <a:pPr/>
-              <a:t>5/9/2019</a:t>
+              <a:t>5/10/2019</a:t>
             </a:fld>
             <a:endParaRPr lang="en-US" dirty="0"/>
           </a:p>
@@ -3819,7 +3821,7 @@
             <a:fld id="{D57F1E4F-1CFF-5643-939E-217C01CDF565}" type="slidenum">
               <a:rPr lang="en-US" smtClean="0"/>
               <a:pPr/>
-              <a:t>‹N›</a:t>
+              <a:t>‹#›</a:t>
             </a:fld>
             <a:endParaRPr lang="en-US" dirty="0"/>
           </a:p>
@@ -3989,7 +3991,7 @@
             <a:fld id="{B61BEF0D-F0BB-DE4B-95CE-6DB70DBA9567}" type="datetimeFigureOut">
               <a:rPr lang="en-US" dirty="0"/>
               <a:pPr/>
-              <a:t>5/9/2019</a:t>
+              <a:t>5/10/2019</a:t>
             </a:fld>
             <a:endParaRPr lang="en-US" dirty="0"/>
           </a:p>
@@ -4064,7 +4066,7 @@
             <a:fld id="{D57F1E4F-1CFF-5643-939E-217C01CDF565}" type="slidenum">
               <a:rPr lang="en-US" dirty="0"/>
               <a:pPr/>
-              <a:t>‹N›</a:t>
+              <a:t>‹#›</a:t>
             </a:fld>
             <a:endParaRPr lang="en-US" dirty="0"/>
           </a:p>
@@ -4734,7 +4736,7 @@
           <p:cNvPr id="7" name="Rectangle 6">
             <a:extLst>
               <a:ext uri="{FF2B5EF4-FFF2-40B4-BE49-F238E27FC236}">
-                <a16:creationId xmlns:a16="http://schemas.microsoft.com/office/drawing/2014/main" id="{8C266B9D-DC87-430A-8D3A-2E83639A1768}"/>
+                <a16:creationId xmlns:a16="http://schemas.microsoft.com/office/drawing/2014/main" id="{2F8F80BB-E8B6-43B3-9462-B4D497D2802A}"/>
               </a:ext>
               <a:ext uri="{C183D7F6-B498-43B3-948B-1728B52AA6E4}">
                 <adec:decorative xmlns:adec="http://schemas.microsoft.com/office/drawing/2017/decorative" val="1"/>
@@ -4787,6 +4789,553 @@
           <a:bodyPr rtlCol="0" anchor="ctr"/>
           <a:lstStyle/>
           <a:p>
+            <a:pPr marL="0" marR="0" lvl="0" indent="0" algn="ctr" defTabSz="457200" rtl="0" eaLnBrk="1" fontAlgn="auto" latinLnBrk="0" hangingPunct="1">
+              <a:lnSpc>
+                <a:spcPct val="100000"/>
+              </a:lnSpc>
+              <a:spcBef>
+                <a:spcPts val="0"/>
+              </a:spcBef>
+              <a:spcAft>
+                <a:spcPts val="0"/>
+              </a:spcAft>
+              <a:buClrTx/>
+              <a:buSzTx/>
+              <a:buFontTx/>
+              <a:buNone/>
+              <a:tabLst/>
+              <a:defRPr/>
+            </a:pPr>
+            <a:endParaRPr kumimoji="0" lang="en-US" sz="1800" b="0" i="0" u="none" strike="noStrike" kern="1200" cap="none" spc="0" normalizeH="0" baseline="0" noProof="0">
+              <a:ln>
+                <a:noFill/>
+              </a:ln>
+              <a:solidFill>
+                <a:prstClr val="white"/>
+              </a:solidFill>
+              <a:effectLst/>
+              <a:uLnTx/>
+              <a:uFillTx/>
+              <a:latin typeface="Gill Sans MT" panose="020B0502020104020203"/>
+              <a:ea typeface="+mn-ea"/>
+              <a:cs typeface="+mn-cs"/>
+            </a:endParaRPr>
+          </a:p>
+        </p:txBody>
+      </p:sp>
+      <p:sp>
+        <p:nvSpPr>
+          <p:cNvPr id="9" name="Rectangle 8">
+            <a:extLst>
+              <a:ext uri="{FF2B5EF4-FFF2-40B4-BE49-F238E27FC236}">
+                <a16:creationId xmlns:a16="http://schemas.microsoft.com/office/drawing/2014/main" id="{942C8AD6-8796-482B-ACC1-6D686B08E7AC}"/>
+              </a:ext>
+              <a:ext uri="{C183D7F6-B498-43B3-948B-1728B52AA6E4}">
+                <adec:decorative xmlns:adec="http://schemas.microsoft.com/office/drawing/2017/decorative" val="1"/>
+              </a:ext>
+            </a:extLst>
+          </p:cNvPr>
+          <p:cNvSpPr>
+            <a:spLocks noGrp="1" noRot="1" noChangeAspect="1" noMove="1" noResize="1" noEditPoints="1" noAdjustHandles="1" noChangeArrowheads="1" noChangeShapeType="1" noTextEdit="1"/>
+          </p:cNvSpPr>
+          <p:nvPr>
+            <p:extLst>
+              <p:ext uri="{386F3935-93C4-4BCD-93E2-E3B085C9AB24}">
+                <p16:designElem xmlns:p16="http://schemas.microsoft.com/office/powerpoint/2015/main" val="1"/>
+              </p:ext>
+            </p:extLst>
+          </p:nvPr>
+        </p:nvSpPr>
+        <p:spPr>
+          <a:xfrm>
+            <a:off x="446533" y="457201"/>
+            <a:ext cx="1240822" cy="5859735"/>
+          </a:xfrm>
+          <a:prstGeom prst="rect">
+            <a:avLst/>
+          </a:prstGeom>
+          <a:solidFill>
+            <a:schemeClr val="accent1"/>
+          </a:solidFill>
+          <a:ln>
+            <a:noFill/>
+          </a:ln>
+          <a:effectLst/>
+        </p:spPr>
+        <p:style>
+          <a:lnRef idx="1">
+            <a:schemeClr val="accent1"/>
+          </a:lnRef>
+          <a:fillRef idx="3">
+            <a:schemeClr val="accent1"/>
+          </a:fillRef>
+          <a:effectRef idx="2">
+            <a:schemeClr val="accent1"/>
+          </a:effectRef>
+          <a:fontRef idx="minor">
+            <a:schemeClr val="lt1"/>
+          </a:fontRef>
+        </p:style>
+      </p:sp>
+      <p:sp>
+        <p:nvSpPr>
+          <p:cNvPr id="11" name="Rectangle 10">
+            <a:extLst>
+              <a:ext uri="{FF2B5EF4-FFF2-40B4-BE49-F238E27FC236}">
+                <a16:creationId xmlns:a16="http://schemas.microsoft.com/office/drawing/2014/main" id="{B6B3BF72-6DFA-42DA-A667-9E3A1BCFF7EB}"/>
+              </a:ext>
+              <a:ext uri="{C183D7F6-B498-43B3-948B-1728B52AA6E4}">
+                <adec:decorative xmlns:adec="http://schemas.microsoft.com/office/drawing/2017/decorative" val="1"/>
+              </a:ext>
+            </a:extLst>
+          </p:cNvPr>
+          <p:cNvSpPr>
+            <a:spLocks noGrp="1" noRot="1" noChangeAspect="1" noMove="1" noResize="1" noEditPoints="1" noAdjustHandles="1" noChangeArrowheads="1" noChangeShapeType="1" noTextEdit="1"/>
+          </p:cNvSpPr>
+          <p:nvPr>
+            <p:extLst>
+              <p:ext uri="{386F3935-93C4-4BCD-93E2-E3B085C9AB24}">
+                <p16:designElem xmlns:p16="http://schemas.microsoft.com/office/powerpoint/2015/main" val="1"/>
+              </p:ext>
+            </p:extLst>
+          </p:nvPr>
+        </p:nvSpPr>
+        <p:spPr>
+          <a:xfrm>
+            <a:off x="1775059" y="457202"/>
+            <a:ext cx="9970407" cy="5856457"/>
+          </a:xfrm>
+          <a:prstGeom prst="rect">
+            <a:avLst/>
+          </a:prstGeom>
+          <a:noFill/>
+          <a:ln w="9525"/>
+        </p:spPr>
+        <p:style>
+          <a:lnRef idx="2">
+            <a:schemeClr val="accent1">
+              <a:shade val="50000"/>
+            </a:schemeClr>
+          </a:lnRef>
+          <a:fillRef idx="1">
+            <a:schemeClr val="accent1"/>
+          </a:fillRef>
+          <a:effectRef idx="0">
+            <a:schemeClr val="accent1"/>
+          </a:effectRef>
+          <a:fontRef idx="minor">
+            <a:schemeClr val="lt1"/>
+          </a:fontRef>
+        </p:style>
+        <p:txBody>
+          <a:bodyPr rtlCol="0" anchor="ctr"/>
+          <a:lstStyle/>
+          <a:p>
+            <a:pPr algn="ctr"/>
+            <a:endParaRPr lang="en-US"/>
+          </a:p>
+        </p:txBody>
+      </p:sp>
+      <p:pic>
+        <p:nvPicPr>
+          <p:cNvPr id="4" name="Picture 3">
+            <a:extLst>
+              <a:ext uri="{FF2B5EF4-FFF2-40B4-BE49-F238E27FC236}">
+                <a16:creationId xmlns:a16="http://schemas.microsoft.com/office/drawing/2014/main" id="{434FCBE6-CF1B-42EE-87F1-28279BF25C40}"/>
+              </a:ext>
+            </a:extLst>
+          </p:cNvPr>
+          <p:cNvPicPr>
+            <a:picLocks noChangeAspect="1"/>
+          </p:cNvPicPr>
+          <p:nvPr/>
+        </p:nvPicPr>
+        <p:blipFill>
+          <a:blip r:embed="rId2"/>
+          <a:stretch>
+            <a:fillRect/>
+          </a:stretch>
+        </p:blipFill>
+        <p:spPr>
+          <a:xfrm>
+            <a:off x="5843247" y="1045649"/>
+            <a:ext cx="6348753" cy="4766701"/>
+          </a:xfrm>
+          <a:prstGeom prst="rect">
+            <a:avLst/>
+          </a:prstGeom>
+        </p:spPr>
+      </p:pic>
+      <p:sp>
+        <p:nvSpPr>
+          <p:cNvPr id="5" name="TextBox 4">
+            <a:extLst>
+              <a:ext uri="{FF2B5EF4-FFF2-40B4-BE49-F238E27FC236}">
+                <a16:creationId xmlns:a16="http://schemas.microsoft.com/office/drawing/2014/main" id="{8FB76062-BAD2-4108-BC7E-797724BEA06E}"/>
+              </a:ext>
+            </a:extLst>
+          </p:cNvPr>
+          <p:cNvSpPr txBox="1"/>
+          <p:nvPr/>
+        </p:nvSpPr>
+        <p:spPr>
+          <a:xfrm>
+            <a:off x="1801658" y="866035"/>
+            <a:ext cx="4756370" cy="4585871"/>
+          </a:xfrm>
+          <a:prstGeom prst="rect">
+            <a:avLst/>
+          </a:prstGeom>
+          <a:noFill/>
+        </p:spPr>
+        <p:txBody>
+          <a:bodyPr wrap="square" rtlCol="0">
+            <a:spAutoFit/>
+          </a:bodyPr>
+          <a:lstStyle/>
+          <a:p>
+            <a:r>
+              <a:rPr lang="en-GB" dirty="0"/>
+              <a:t> RETE NEURALE</a:t>
+            </a:r>
+          </a:p>
+          <a:p>
+            <a:endParaRPr lang="en-GB" dirty="0"/>
+          </a:p>
+          <a:p>
+            <a:r>
+              <a:rPr lang="nb-NO" sz="1400" dirty="0"/>
+              <a:t>x = [mer gio ven sab dom lun mar]';</a:t>
+            </a:r>
+          </a:p>
+          <a:p>
+            <a:r>
+              <a:rPr lang="en-GB" sz="1400" dirty="0"/>
+              <a:t>t = (</a:t>
+            </a:r>
+            <a:r>
+              <a:rPr lang="en-GB" sz="1400" dirty="0" err="1"/>
+              <a:t>vertcat</a:t>
+            </a:r>
+            <a:r>
+              <a:rPr lang="en-GB" sz="1400" dirty="0"/>
+              <a:t>(y1,y2))’;</a:t>
+            </a:r>
+          </a:p>
+          <a:p>
+            <a:endParaRPr lang="en-GB" sz="1400" dirty="0"/>
+          </a:p>
+          <a:p>
+            <a:r>
+              <a:rPr lang="en-GB" sz="1400" dirty="0"/>
+              <a:t> </a:t>
+            </a:r>
+            <a:r>
+              <a:rPr lang="en-GB" sz="1400" dirty="0" err="1"/>
+              <a:t>trainFcn</a:t>
+            </a:r>
+            <a:r>
+              <a:rPr lang="en-GB" sz="1400" dirty="0"/>
+              <a:t> = '</a:t>
+            </a:r>
+            <a:r>
+              <a:rPr lang="en-GB" sz="1400" dirty="0" err="1"/>
+              <a:t>trainscg</a:t>
+            </a:r>
+            <a:r>
+              <a:rPr lang="en-GB" sz="1400" dirty="0"/>
+              <a:t>';  </a:t>
+            </a:r>
+          </a:p>
+          <a:p>
+            <a:r>
+              <a:rPr lang="en-GB" sz="1400" dirty="0" err="1"/>
+              <a:t>hiddenLayerSize</a:t>
+            </a:r>
+            <a:r>
+              <a:rPr lang="en-GB" sz="1400" dirty="0"/>
+              <a:t> = 20;</a:t>
+            </a:r>
+          </a:p>
+          <a:p>
+            <a:r>
+              <a:rPr lang="en-GB" sz="1400" dirty="0" err="1"/>
+              <a:t>net.divideParam.trainRatio</a:t>
+            </a:r>
+            <a:r>
+              <a:rPr lang="en-GB" sz="1400" dirty="0"/>
+              <a:t> = 65/100;</a:t>
+            </a:r>
+          </a:p>
+          <a:p>
+            <a:r>
+              <a:rPr lang="en-GB" sz="1400" dirty="0" err="1"/>
+              <a:t>net.divideParam.valRatio</a:t>
+            </a:r>
+            <a:r>
+              <a:rPr lang="en-GB" sz="1400" dirty="0"/>
+              <a:t> = 20/100;</a:t>
+            </a:r>
+          </a:p>
+          <a:p>
+            <a:r>
+              <a:rPr lang="en-GB" sz="1400" dirty="0" err="1"/>
+              <a:t>net.divideParam.testRatio</a:t>
+            </a:r>
+            <a:r>
+              <a:rPr lang="en-GB" sz="1400" dirty="0"/>
+              <a:t> = 25/100;  </a:t>
+            </a:r>
+          </a:p>
+          <a:p>
+            <a:endParaRPr lang="en-GB" sz="1400" dirty="0"/>
+          </a:p>
+          <a:p>
+            <a:r>
+              <a:rPr lang="en-GB" sz="1400" dirty="0" err="1"/>
+              <a:t>net.performFcn</a:t>
+            </a:r>
+            <a:r>
+              <a:rPr lang="en-GB" sz="1400" dirty="0"/>
+              <a:t> = '</a:t>
+            </a:r>
+            <a:r>
+              <a:rPr lang="en-GB" sz="1400" dirty="0" err="1"/>
+              <a:t>mse</a:t>
+            </a:r>
+            <a:r>
+              <a:rPr lang="en-GB" sz="1400" dirty="0"/>
+              <a:t>'; </a:t>
+            </a:r>
+          </a:p>
+          <a:p>
+            <a:r>
+              <a:rPr lang="en-GB" sz="1400" dirty="0" err="1"/>
+              <a:t>net.plotFcns</a:t>
+            </a:r>
+            <a:r>
+              <a:rPr lang="en-GB" sz="1400" dirty="0"/>
+              <a:t> = {'</a:t>
+            </a:r>
+            <a:r>
+              <a:rPr lang="en-GB" sz="1400" dirty="0" err="1"/>
+              <a:t>plotperform</a:t>
+            </a:r>
+            <a:r>
+              <a:rPr lang="en-GB" sz="1400" dirty="0"/>
+              <a:t>','</a:t>
+            </a:r>
+            <a:r>
+              <a:rPr lang="en-GB" sz="1400" dirty="0" err="1"/>
+              <a:t>plottrainstate</a:t>
+            </a:r>
+            <a:r>
+              <a:rPr lang="en-GB" sz="1400" dirty="0"/>
+              <a:t>','</a:t>
+            </a:r>
+            <a:r>
+              <a:rPr lang="en-GB" sz="1400" dirty="0" err="1"/>
+              <a:t>ploterrhist</a:t>
+            </a:r>
+            <a:r>
+              <a:rPr lang="en-GB" sz="1400" dirty="0"/>
+              <a:t>', ...</a:t>
+            </a:r>
+          </a:p>
+          <a:p>
+            <a:r>
+              <a:rPr lang="en-GB" sz="1400" dirty="0"/>
+              <a:t>    '</a:t>
+            </a:r>
+            <a:r>
+              <a:rPr lang="en-GB" sz="1400" dirty="0" err="1"/>
+              <a:t>plotregression</a:t>
+            </a:r>
+            <a:r>
+              <a:rPr lang="en-GB" sz="1400" dirty="0"/>
+              <a:t>', '</a:t>
+            </a:r>
+            <a:r>
+              <a:rPr lang="en-GB" sz="1400" dirty="0" err="1"/>
+              <a:t>plotfit</a:t>
+            </a:r>
+            <a:r>
+              <a:rPr lang="en-GB" sz="1400" dirty="0"/>
+              <a:t>’};</a:t>
+            </a:r>
+          </a:p>
+          <a:p>
+            <a:r>
+              <a:rPr lang="en-GB" sz="1400" dirty="0"/>
+              <a:t>[</a:t>
+            </a:r>
+            <a:r>
+              <a:rPr lang="en-GB" sz="1400" dirty="0" err="1"/>
+              <a:t>net,tr</a:t>
+            </a:r>
+            <a:r>
+              <a:rPr lang="en-GB" sz="1400" dirty="0"/>
+              <a:t>] = train(</a:t>
+            </a:r>
+            <a:r>
+              <a:rPr lang="en-GB" sz="1400" dirty="0" err="1"/>
+              <a:t>net,x,t</a:t>
+            </a:r>
+            <a:r>
+              <a:rPr lang="en-GB" sz="1400" dirty="0"/>
+              <a:t>);</a:t>
+            </a:r>
+          </a:p>
+          <a:p>
+            <a:r>
+              <a:rPr lang="en-GB" sz="1400" dirty="0"/>
+              <a:t> </a:t>
+            </a:r>
+            <a:r>
+              <a:rPr lang="en-GB" sz="1400" dirty="0" err="1"/>
+              <a:t>thetaCapNET</a:t>
+            </a:r>
+            <a:r>
+              <a:rPr lang="en-GB" sz="1400" dirty="0"/>
+              <a:t> = </a:t>
+            </a:r>
+            <a:r>
+              <a:rPr lang="en-GB" sz="1400" dirty="0" err="1"/>
+              <a:t>getwb</a:t>
+            </a:r>
+            <a:r>
+              <a:rPr lang="en-GB" sz="1400" dirty="0"/>
+              <a:t>(net);</a:t>
+            </a:r>
+          </a:p>
+          <a:p>
+            <a:endParaRPr lang="en-GB" sz="1400" dirty="0"/>
+          </a:p>
+          <a:p>
+            <a:r>
+              <a:rPr lang="en-GB" sz="1400" dirty="0" err="1"/>
+              <a:t>nt</a:t>
+            </a:r>
+            <a:r>
+              <a:rPr lang="en-GB" sz="1400" dirty="0"/>
+              <a:t> = length(</a:t>
+            </a:r>
+            <a:r>
+              <a:rPr lang="en-GB" sz="1400" dirty="0" err="1"/>
+              <a:t>tr.trainInd</a:t>
+            </a:r>
+            <a:r>
+              <a:rPr lang="en-GB" sz="1400" dirty="0"/>
+              <a:t>);</a:t>
+            </a:r>
+          </a:p>
+          <a:p>
+            <a:r>
+              <a:rPr lang="en-GB" sz="1400" dirty="0"/>
+              <a:t> </a:t>
+            </a:r>
+          </a:p>
+          <a:p>
+            <a:endParaRPr lang="en-GB" dirty="0"/>
+          </a:p>
+        </p:txBody>
+      </p:sp>
+    </p:spTree>
+    <p:extLst>
+      <p:ext uri="{BB962C8B-B14F-4D97-AF65-F5344CB8AC3E}">
+        <p14:creationId xmlns:p14="http://schemas.microsoft.com/office/powerpoint/2010/main" val="3455604876"/>
+      </p:ext>
+    </p:extLst>
+  </p:cSld>
+  <p:clrMapOvr>
+    <a:masterClrMapping/>
+  </p:clrMapOvr>
+</p:sld>
+</file>
+
+<file path=ppt/slides/slide11.xml><?xml version="1.0" encoding="utf-8"?>
+<p:sld xmlns:a="http://schemas.openxmlformats.org/drawingml/2006/main" xmlns:r="http://schemas.openxmlformats.org/officeDocument/2006/relationships" xmlns:p="http://schemas.openxmlformats.org/presentationml/2006/main">
+  <p:cSld>
+    <p:bg>
+      <p:bgPr>
+        <a:solidFill>
+          <a:schemeClr val="bg1"/>
+        </a:solidFill>
+        <a:effectLst/>
+      </p:bgPr>
+    </p:bg>
+    <p:spTree>
+      <p:nvGrpSpPr>
+        <p:cNvPr id="1" name=""/>
+        <p:cNvGrpSpPr/>
+        <p:nvPr/>
+      </p:nvGrpSpPr>
+      <p:grpSpPr>
+        <a:xfrm>
+          <a:off x="0" y="0"/>
+          <a:ext cx="0" cy="0"/>
+          <a:chOff x="0" y="0"/>
+          <a:chExt cx="0" cy="0"/>
+        </a:xfrm>
+      </p:grpSpPr>
+      <p:sp>
+        <p:nvSpPr>
+          <p:cNvPr id="7" name="Rectangle 6">
+            <a:extLst>
+              <a:ext uri="{FF2B5EF4-FFF2-40B4-BE49-F238E27FC236}">
+                <a16:creationId xmlns:a16="http://schemas.microsoft.com/office/drawing/2014/main" id="{8C266B9D-DC87-430A-8D3A-2E83639A1768}"/>
+              </a:ext>
+              <a:ext uri="{C183D7F6-B498-43B3-948B-1728B52AA6E4}">
+                <adec:decorative xmlns:adec="http://schemas.microsoft.com/office/drawing/2017/decorative" val="1"/>
+              </a:ext>
+            </a:extLst>
+          </p:cNvPr>
+          <p:cNvSpPr>
+            <a:spLocks noGrp="1" noRot="1" noChangeAspect="1" noMove="1" noResize="1" noEditPoints="1" noAdjustHandles="1" noChangeArrowheads="1" noChangeShapeType="1" noTextEdit="1"/>
+          </p:cNvSpPr>
+          <p:nvPr>
+            <p:extLst>
+              <p:ext uri="{386F3935-93C4-4BCD-93E2-E3B085C9AB24}">
+                <p16:designElem xmlns:p16="http://schemas.microsoft.com/office/powerpoint/2015/main" val="1"/>
+              </p:ext>
+            </p:extLst>
+          </p:nvPr>
+        </p:nvSpPr>
+        <p:spPr>
+          <a:xfrm>
+            <a:off x="0" y="0"/>
+            <a:ext cx="12192000" cy="6858000"/>
+          </a:xfrm>
+          <a:prstGeom prst="rect">
+            <a:avLst/>
+          </a:prstGeom>
+          <a:solidFill>
+            <a:srgbClr val="FFFFFF"/>
+          </a:solidFill>
+          <a:ln>
+            <a:noFill/>
+          </a:ln>
+        </p:spPr>
+        <p:style>
+          <a:lnRef idx="2">
+            <a:schemeClr val="accent1">
+              <a:shade val="50000"/>
+            </a:schemeClr>
+          </a:lnRef>
+          <a:fillRef idx="1">
+            <a:schemeClr val="accent1"/>
+          </a:fillRef>
+          <a:effectRef idx="0">
+            <a:schemeClr val="accent1"/>
+          </a:effectRef>
+          <a:fontRef idx="minor">
+            <a:schemeClr val="lt1"/>
+          </a:fontRef>
+        </p:style>
+        <p:txBody>
+          <a:bodyPr rtlCol="0" anchor="ctr"/>
+          <a:lstStyle/>
+          <a:p>
             <a:pPr algn="ctr"/>
             <a:endParaRPr lang="en-US"/>
           </a:p>
@@ -4959,7 +5508,7 @@
           <p:cNvPr id="2" name="Picture 1">
             <a:extLst>
               <a:ext uri="{FF2B5EF4-FFF2-40B4-BE49-F238E27FC236}">
-                <a16:creationId xmlns:a16="http://schemas.microsoft.com/office/drawing/2014/main" id="{A9FD0ADB-9AD5-40F2-847C-1CB065B3BB19}"/>
+                <a16:creationId xmlns:a16="http://schemas.microsoft.com/office/drawing/2014/main" id="{54ABAB57-CD1E-4FD5-9412-0928416C3CF9}"/>
               </a:ext>
             </a:extLst>
           </p:cNvPr>
@@ -4976,7 +5525,7 @@
         </p:blipFill>
         <p:spPr>
           <a:xfrm>
-            <a:off x="3836822" y="599724"/>
+            <a:off x="4816977" y="548640"/>
             <a:ext cx="6926289" cy="5200321"/>
           </a:xfrm>
           <a:prstGeom prst="rect">
@@ -5040,6 +5589,450 @@
       </p:sp>
       <p:sp>
         <p:nvSpPr>
+          <p:cNvPr id="3" name="Rectangle 2">
+            <a:extLst>
+              <a:ext uri="{FF2B5EF4-FFF2-40B4-BE49-F238E27FC236}">
+                <a16:creationId xmlns:a16="http://schemas.microsoft.com/office/drawing/2014/main" id="{A922CEAD-147E-4120-A41B-7BF9B6B5B0FE}"/>
+              </a:ext>
+            </a:extLst>
+          </p:cNvPr>
+          <p:cNvSpPr/>
+          <p:nvPr/>
+        </p:nvSpPr>
+        <p:spPr>
+          <a:xfrm>
+            <a:off x="781112" y="821175"/>
+            <a:ext cx="3384388" cy="1200329"/>
+          </a:xfrm>
+          <a:prstGeom prst="rect">
+            <a:avLst/>
+          </a:prstGeom>
+        </p:spPr>
+        <p:txBody>
+          <a:bodyPr wrap="none">
+            <a:spAutoFit/>
+          </a:bodyPr>
+          <a:lstStyle/>
+          <a:p>
+            <a:r>
+              <a:rPr lang="it-IT" b="1" dirty="0"/>
+              <a:t>CONFRONTO AIC LINEARE</a:t>
+            </a:r>
+          </a:p>
+          <a:p>
+            <a:endParaRPr lang="it-IT" dirty="0"/>
+          </a:p>
+          <a:p>
+            <a:r>
+              <a:rPr lang="it-IT" dirty="0"/>
+              <a:t>2q / N  + ln(SSR)</a:t>
+            </a:r>
+          </a:p>
+          <a:p>
+            <a:endParaRPr lang="it-IT" dirty="0"/>
+          </a:p>
+        </p:txBody>
+      </p:sp>
+      <p:sp>
+        <p:nvSpPr>
+          <p:cNvPr id="4" name="Rectangle 3">
+            <a:extLst>
+              <a:ext uri="{FF2B5EF4-FFF2-40B4-BE49-F238E27FC236}">
+                <a16:creationId xmlns:a16="http://schemas.microsoft.com/office/drawing/2014/main" id="{AECE9ECC-E2F4-4E40-8DA4-1AF083CB2AB6}"/>
+              </a:ext>
+            </a:extLst>
+          </p:cNvPr>
+          <p:cNvSpPr/>
+          <p:nvPr/>
+        </p:nvSpPr>
+        <p:spPr>
+          <a:xfrm>
+            <a:off x="446533" y="2292260"/>
+            <a:ext cx="2757486" cy="1323439"/>
+          </a:xfrm>
+          <a:prstGeom prst="rect">
+            <a:avLst/>
+          </a:prstGeom>
+        </p:spPr>
+        <p:txBody>
+          <a:bodyPr wrap="none">
+            <a:spAutoFit/>
+          </a:bodyPr>
+          <a:lstStyle/>
+          <a:p>
+            <a:r>
+              <a:rPr lang="en-GB" sz="1600" dirty="0" err="1"/>
+              <a:t>Modello</a:t>
+            </a:r>
+            <a:endParaRPr lang="en-GB" sz="1600" dirty="0"/>
+          </a:p>
+          <a:p>
+            <a:r>
+              <a:rPr lang="en-GB" sz="1600" dirty="0"/>
+              <a:t>6.1969	6.5219	-35.9069</a:t>
+            </a:r>
+          </a:p>
+          <a:p>
+            <a:r>
+              <a:rPr lang="en-GB" sz="1600" dirty="0"/>
+              <a:t>1° </a:t>
+            </a:r>
+            <a:r>
+              <a:rPr lang="en-GB" sz="1600" dirty="0" err="1"/>
+              <a:t>ord</a:t>
+            </a:r>
+            <a:r>
+              <a:rPr lang="en-GB" sz="1600" dirty="0"/>
+              <a:t>	2° </a:t>
+            </a:r>
+            <a:r>
+              <a:rPr lang="en-GB" sz="1600" dirty="0" err="1"/>
+              <a:t>ord</a:t>
+            </a:r>
+            <a:r>
+              <a:rPr lang="en-GB" sz="1600" dirty="0"/>
+              <a:t>	3° </a:t>
+            </a:r>
+            <a:r>
+              <a:rPr lang="en-GB" sz="1600" dirty="0" err="1"/>
+              <a:t>ord</a:t>
+            </a:r>
+            <a:endParaRPr lang="en-GB" sz="1600" dirty="0"/>
+          </a:p>
+          <a:p>
+            <a:r>
+              <a:rPr lang="en-GB" sz="1600" dirty="0" err="1"/>
+              <a:t>Validazione</a:t>
+            </a:r>
+            <a:endParaRPr lang="en-GB" sz="1600" dirty="0"/>
+          </a:p>
+          <a:p>
+            <a:r>
+              <a:rPr lang="en-GB" sz="1600" dirty="0"/>
+              <a:t>5.6177	12.5779	30.5689</a:t>
+            </a:r>
+          </a:p>
+        </p:txBody>
+      </p:sp>
+    </p:spTree>
+    <p:extLst>
+      <p:ext uri="{BB962C8B-B14F-4D97-AF65-F5344CB8AC3E}">
+        <p14:creationId xmlns:p14="http://schemas.microsoft.com/office/powerpoint/2010/main" val="2497989953"/>
+      </p:ext>
+    </p:extLst>
+  </p:cSld>
+  <p:clrMapOvr>
+    <a:masterClrMapping/>
+  </p:clrMapOvr>
+</p:sld>
+</file>
+
+<file path=ppt/slides/slide12.xml><?xml version="1.0" encoding="utf-8"?>
+<p:sld xmlns:a="http://schemas.openxmlformats.org/drawingml/2006/main" xmlns:r="http://schemas.openxmlformats.org/officeDocument/2006/relationships" xmlns:p="http://schemas.openxmlformats.org/presentationml/2006/main">
+  <p:cSld>
+    <p:bg>
+      <p:bgPr>
+        <a:solidFill>
+          <a:schemeClr val="bg1"/>
+        </a:solidFill>
+        <a:effectLst/>
+      </p:bgPr>
+    </p:bg>
+    <p:spTree>
+      <p:nvGrpSpPr>
+        <p:cNvPr id="1" name=""/>
+        <p:cNvGrpSpPr/>
+        <p:nvPr/>
+      </p:nvGrpSpPr>
+      <p:grpSpPr>
+        <a:xfrm>
+          <a:off x="0" y="0"/>
+          <a:ext cx="0" cy="0"/>
+          <a:chOff x="0" y="0"/>
+          <a:chExt cx="0" cy="0"/>
+        </a:xfrm>
+      </p:grpSpPr>
+      <p:sp>
+        <p:nvSpPr>
+          <p:cNvPr id="7" name="Rectangle 6">
+            <a:extLst>
+              <a:ext uri="{FF2B5EF4-FFF2-40B4-BE49-F238E27FC236}">
+                <a16:creationId xmlns:a16="http://schemas.microsoft.com/office/drawing/2014/main" id="{8C266B9D-DC87-430A-8D3A-2E83639A1768}"/>
+              </a:ext>
+              <a:ext uri="{C183D7F6-B498-43B3-948B-1728B52AA6E4}">
+                <adec:decorative xmlns:adec="http://schemas.microsoft.com/office/drawing/2017/decorative" val="1"/>
+              </a:ext>
+            </a:extLst>
+          </p:cNvPr>
+          <p:cNvSpPr>
+            <a:spLocks noGrp="1" noRot="1" noChangeAspect="1" noMove="1" noResize="1" noEditPoints="1" noAdjustHandles="1" noChangeArrowheads="1" noChangeShapeType="1" noTextEdit="1"/>
+          </p:cNvSpPr>
+          <p:nvPr>
+            <p:extLst>
+              <p:ext uri="{386F3935-93C4-4BCD-93E2-E3B085C9AB24}">
+                <p16:designElem xmlns:p16="http://schemas.microsoft.com/office/powerpoint/2015/main" val="1"/>
+              </p:ext>
+            </p:extLst>
+          </p:nvPr>
+        </p:nvSpPr>
+        <p:spPr>
+          <a:xfrm>
+            <a:off x="0" y="0"/>
+            <a:ext cx="12192000" cy="6858000"/>
+          </a:xfrm>
+          <a:prstGeom prst="rect">
+            <a:avLst/>
+          </a:prstGeom>
+          <a:solidFill>
+            <a:srgbClr val="FFFFFF"/>
+          </a:solidFill>
+          <a:ln>
+            <a:noFill/>
+          </a:ln>
+        </p:spPr>
+        <p:style>
+          <a:lnRef idx="2">
+            <a:schemeClr val="accent1">
+              <a:shade val="50000"/>
+            </a:schemeClr>
+          </a:lnRef>
+          <a:fillRef idx="1">
+            <a:schemeClr val="accent1"/>
+          </a:fillRef>
+          <a:effectRef idx="0">
+            <a:schemeClr val="accent1"/>
+          </a:effectRef>
+          <a:fontRef idx="minor">
+            <a:schemeClr val="lt1"/>
+          </a:fontRef>
+        </p:style>
+        <p:txBody>
+          <a:bodyPr rtlCol="0" anchor="ctr"/>
+          <a:lstStyle/>
+          <a:p>
+            <a:pPr algn="ctr"/>
+            <a:endParaRPr lang="en-US"/>
+          </a:p>
+        </p:txBody>
+      </p:sp>
+      <p:sp>
+        <p:nvSpPr>
+          <p:cNvPr id="9" name="Rectangle 8">
+            <a:extLst>
+              <a:ext uri="{FF2B5EF4-FFF2-40B4-BE49-F238E27FC236}">
+                <a16:creationId xmlns:a16="http://schemas.microsoft.com/office/drawing/2014/main" id="{69282F36-261B-49B3-8CA9-FB857C475A0E}"/>
+              </a:ext>
+              <a:ext uri="{C183D7F6-B498-43B3-948B-1728B52AA6E4}">
+                <adec:decorative xmlns:adec="http://schemas.microsoft.com/office/drawing/2017/decorative" val="1"/>
+              </a:ext>
+            </a:extLst>
+          </p:cNvPr>
+          <p:cNvSpPr>
+            <a:spLocks noGrp="1" noRot="1" noChangeAspect="1" noMove="1" noResize="1" noEditPoints="1" noAdjustHandles="1" noChangeArrowheads="1" noChangeShapeType="1" noTextEdit="1"/>
+          </p:cNvSpPr>
+          <p:nvPr>
+            <p:extLst>
+              <p:ext uri="{386F3935-93C4-4BCD-93E2-E3B085C9AB24}">
+                <p16:designElem xmlns:p16="http://schemas.microsoft.com/office/powerpoint/2015/main" val="1"/>
+              </p:ext>
+            </p:extLst>
+          </p:nvPr>
+        </p:nvSpPr>
+        <p:spPr>
+          <a:xfrm>
+            <a:off x="446534" y="455422"/>
+            <a:ext cx="3703320" cy="94997"/>
+          </a:xfrm>
+          <a:prstGeom prst="rect">
+            <a:avLst/>
+          </a:prstGeom>
+          <a:solidFill>
+            <a:schemeClr val="accent1"/>
+          </a:solidFill>
+          <a:ln>
+            <a:noFill/>
+          </a:ln>
+          <a:effectLst/>
+        </p:spPr>
+        <p:style>
+          <a:lnRef idx="1">
+            <a:schemeClr val="accent1"/>
+          </a:lnRef>
+          <a:fillRef idx="3">
+            <a:schemeClr val="accent1"/>
+          </a:fillRef>
+          <a:effectRef idx="2">
+            <a:schemeClr val="accent1"/>
+          </a:effectRef>
+          <a:fontRef idx="minor">
+            <a:schemeClr val="lt1"/>
+          </a:fontRef>
+        </p:style>
+      </p:sp>
+      <p:sp>
+        <p:nvSpPr>
+          <p:cNvPr id="11" name="Rectangle 10">
+            <a:extLst>
+              <a:ext uri="{FF2B5EF4-FFF2-40B4-BE49-F238E27FC236}">
+                <a16:creationId xmlns:a16="http://schemas.microsoft.com/office/drawing/2014/main" id="{B87215C3-3B83-4BE7-9213-26E084BD6158}"/>
+              </a:ext>
+              <a:ext uri="{C183D7F6-B498-43B3-948B-1728B52AA6E4}">
+                <adec:decorative xmlns:adec="http://schemas.microsoft.com/office/drawing/2017/decorative" val="1"/>
+              </a:ext>
+            </a:extLst>
+          </p:cNvPr>
+          <p:cNvSpPr>
+            <a:spLocks noGrp="1" noRot="1" noChangeAspect="1" noMove="1" noResize="1" noEditPoints="1" noAdjustHandles="1" noChangeArrowheads="1" noChangeShapeType="1" noTextEdit="1"/>
+          </p:cNvSpPr>
+          <p:nvPr>
+            <p:extLst>
+              <p:ext uri="{386F3935-93C4-4BCD-93E2-E3B085C9AB24}">
+                <p16:designElem xmlns:p16="http://schemas.microsoft.com/office/powerpoint/2015/main" val="1"/>
+              </p:ext>
+            </p:extLst>
+          </p:nvPr>
+        </p:nvSpPr>
+        <p:spPr>
+          <a:xfrm>
+            <a:off x="4244341" y="457200"/>
+            <a:ext cx="3703320" cy="91440"/>
+          </a:xfrm>
+          <a:prstGeom prst="rect">
+            <a:avLst/>
+          </a:prstGeom>
+          <a:solidFill>
+            <a:schemeClr val="accent2"/>
+          </a:solidFill>
+          <a:ln>
+            <a:noFill/>
+          </a:ln>
+          <a:effectLst/>
+        </p:spPr>
+        <p:style>
+          <a:lnRef idx="1">
+            <a:schemeClr val="accent1"/>
+          </a:lnRef>
+          <a:fillRef idx="3">
+            <a:schemeClr val="accent1"/>
+          </a:fillRef>
+          <a:effectRef idx="2">
+            <a:schemeClr val="accent1"/>
+          </a:effectRef>
+          <a:fontRef idx="minor">
+            <a:schemeClr val="lt1"/>
+          </a:fontRef>
+        </p:style>
+      </p:sp>
+      <p:sp>
+        <p:nvSpPr>
+          <p:cNvPr id="13" name="Rectangle 12">
+            <a:extLst>
+              <a:ext uri="{FF2B5EF4-FFF2-40B4-BE49-F238E27FC236}">
+                <a16:creationId xmlns:a16="http://schemas.microsoft.com/office/drawing/2014/main" id="{13A105D4-2907-419E-8223-4C266BA1E5FB}"/>
+              </a:ext>
+              <a:ext uri="{C183D7F6-B498-43B3-948B-1728B52AA6E4}">
+                <adec:decorative xmlns:adec="http://schemas.microsoft.com/office/drawing/2017/decorative" val="1"/>
+              </a:ext>
+            </a:extLst>
+          </p:cNvPr>
+          <p:cNvSpPr>
+            <a:spLocks noGrp="1" noRot="1" noChangeAspect="1" noMove="1" noResize="1" noEditPoints="1" noAdjustHandles="1" noChangeArrowheads="1" noChangeShapeType="1" noTextEdit="1"/>
+          </p:cNvSpPr>
+          <p:nvPr>
+            <p:extLst>
+              <p:ext uri="{386F3935-93C4-4BCD-93E2-E3B085C9AB24}">
+                <p16:designElem xmlns:p16="http://schemas.microsoft.com/office/powerpoint/2015/main" val="1"/>
+              </p:ext>
+            </p:extLst>
+          </p:nvPr>
+        </p:nvSpPr>
+        <p:spPr>
+          <a:xfrm>
+            <a:off x="8042147" y="453643"/>
+            <a:ext cx="3703320" cy="98554"/>
+          </a:xfrm>
+          <a:prstGeom prst="rect">
+            <a:avLst/>
+          </a:prstGeom>
+          <a:solidFill>
+            <a:schemeClr val="accent4"/>
+          </a:solidFill>
+          <a:ln>
+            <a:noFill/>
+          </a:ln>
+          <a:effectLst/>
+        </p:spPr>
+        <p:style>
+          <a:lnRef idx="1">
+            <a:schemeClr val="accent1"/>
+          </a:lnRef>
+          <a:fillRef idx="3">
+            <a:schemeClr val="accent1"/>
+          </a:fillRef>
+          <a:effectRef idx="2">
+            <a:schemeClr val="accent1"/>
+          </a:effectRef>
+          <a:fontRef idx="minor">
+            <a:schemeClr val="lt1"/>
+          </a:fontRef>
+        </p:style>
+      </p:sp>
+      <p:sp>
+        <p:nvSpPr>
+          <p:cNvPr id="15" name="Rectangle 14">
+            <a:extLst>
+              <a:ext uri="{FF2B5EF4-FFF2-40B4-BE49-F238E27FC236}">
+                <a16:creationId xmlns:a16="http://schemas.microsoft.com/office/drawing/2014/main" id="{1EEE7F17-8E08-4C69-8E22-661908E6DF72}"/>
+              </a:ext>
+              <a:ext uri="{C183D7F6-B498-43B3-948B-1728B52AA6E4}">
+                <adec:decorative xmlns:adec="http://schemas.microsoft.com/office/drawing/2017/decorative" val="1"/>
+              </a:ext>
+            </a:extLst>
+          </p:cNvPr>
+          <p:cNvSpPr>
+            <a:spLocks noGrp="1" noRot="1" noChangeAspect="1" noMove="1" noResize="1" noEditPoints="1" noAdjustHandles="1" noChangeArrowheads="1" noChangeShapeType="1" noTextEdit="1"/>
+          </p:cNvSpPr>
+          <p:nvPr>
+            <p:extLst>
+              <p:ext uri="{386F3935-93C4-4BCD-93E2-E3B085C9AB24}">
+                <p16:designElem xmlns:p16="http://schemas.microsoft.com/office/powerpoint/2015/main" val="1"/>
+              </p:ext>
+            </p:extLst>
+          </p:nvPr>
+        </p:nvSpPr>
+        <p:spPr>
+          <a:xfrm>
+            <a:off x="446533" y="5873675"/>
+            <a:ext cx="11296733" cy="516890"/>
+          </a:xfrm>
+          <a:prstGeom prst="rect">
+            <a:avLst/>
+          </a:prstGeom>
+          <a:solidFill>
+            <a:schemeClr val="accent1"/>
+          </a:solidFill>
+          <a:ln>
+            <a:noFill/>
+          </a:ln>
+          <a:effectLst/>
+        </p:spPr>
+        <p:style>
+          <a:lnRef idx="1">
+            <a:schemeClr val="accent1"/>
+          </a:lnRef>
+          <a:fillRef idx="3">
+            <a:schemeClr val="accent1"/>
+          </a:fillRef>
+          <a:effectRef idx="2">
+            <a:schemeClr val="accent1"/>
+          </a:effectRef>
+          <a:fontRef idx="minor">
+            <a:schemeClr val="lt1"/>
+          </a:fontRef>
+        </p:style>
+      </p:sp>
+      <p:sp>
+        <p:nvSpPr>
           <p:cNvPr id="3" name="TextBox 2">
             <a:extLst>
               <a:ext uri="{FF2B5EF4-FFF2-40B4-BE49-F238E27FC236}">
@@ -5052,8 +6045,8 @@
         </p:nvSpPr>
         <p:spPr>
           <a:xfrm flipH="1">
-            <a:off x="446533" y="1583871"/>
-            <a:ext cx="3703321" cy="2308324"/>
+            <a:off x="691461" y="902833"/>
+            <a:ext cx="3162082" cy="1200329"/>
           </a:xfrm>
           <a:prstGeom prst="rect">
             <a:avLst/>
@@ -5067,188 +6060,108 @@
           <a:lstStyle/>
           <a:p>
             <a:r>
+              <a:rPr lang="it-IT" b="1" dirty="0"/>
+              <a:t>CONFRONTO AIC FOURIER</a:t>
+            </a:r>
+          </a:p>
+          <a:p>
+            <a:endParaRPr lang="it-IT" dirty="0"/>
+          </a:p>
+          <a:p>
+            <a:r>
               <a:rPr lang="it-IT" dirty="0"/>
-              <a:t>AIC = 2q / N  + ln(SSR)</a:t>
-            </a:r>
-          </a:p>
-          <a:p>
+              <a:t>	</a:t>
+            </a:r>
             <a:endParaRPr lang="en-GB" dirty="0"/>
           </a:p>
-          <a:p>
-            <a:r>
-              <a:rPr lang="en-GB" dirty="0"/>
-              <a:t>(RISCRIVERE)</a:t>
-            </a:r>
-          </a:p>
-          <a:p>
-            <a:r>
-              <a:rPr lang="en-GB" dirty="0" err="1"/>
-              <a:t>Anche</a:t>
-            </a:r>
-            <a:r>
-              <a:rPr lang="en-GB" dirty="0"/>
-              <a:t> qui </a:t>
-            </a:r>
-            <a:r>
-              <a:rPr lang="en-GB" dirty="0" err="1"/>
-              <a:t>si</a:t>
-            </a:r>
-            <a:r>
-              <a:rPr lang="en-GB" dirty="0"/>
-              <a:t> </a:t>
-            </a:r>
-            <a:r>
-              <a:rPr lang="en-GB" dirty="0" err="1"/>
-              <a:t>evidenzia</a:t>
-            </a:r>
-            <a:r>
-              <a:rPr lang="en-GB" dirty="0"/>
-              <a:t> la </a:t>
-            </a:r>
-            <a:r>
-              <a:rPr lang="en-GB" dirty="0" err="1"/>
-              <a:t>tendenza</a:t>
-            </a:r>
-            <a:r>
-              <a:rPr lang="en-GB" dirty="0"/>
-              <a:t> di </a:t>
-            </a:r>
-          </a:p>
-          <a:p>
-            <a:r>
-              <a:rPr lang="en-GB" dirty="0" err="1"/>
-              <a:t>Risultati</a:t>
-            </a:r>
-            <a:r>
-              <a:rPr lang="en-GB" dirty="0"/>
-              <a:t> </a:t>
-            </a:r>
-            <a:r>
-              <a:rPr lang="en-GB" dirty="0" err="1"/>
-              <a:t>migliori</a:t>
-            </a:r>
-            <a:r>
-              <a:rPr lang="en-GB" dirty="0"/>
-              <a:t> con </a:t>
-            </a:r>
-            <a:r>
-              <a:rPr lang="en-GB" dirty="0" err="1"/>
-              <a:t>modelli</a:t>
-            </a:r>
-            <a:endParaRPr lang="en-GB" dirty="0"/>
-          </a:p>
-          <a:p>
-            <a:r>
-              <a:rPr lang="en-GB" dirty="0"/>
-              <a:t>Di </a:t>
-            </a:r>
-            <a:r>
-              <a:rPr lang="en-GB" dirty="0" err="1"/>
-              <a:t>ordine</a:t>
-            </a:r>
-            <a:r>
-              <a:rPr lang="en-GB" dirty="0"/>
-              <a:t> </a:t>
-            </a:r>
-            <a:r>
-              <a:rPr lang="en-GB" dirty="0" err="1"/>
-              <a:t>più</a:t>
-            </a:r>
-            <a:r>
-              <a:rPr lang="en-GB" dirty="0"/>
-              <a:t> basso. La </a:t>
-            </a:r>
-            <a:r>
-              <a:rPr lang="en-GB" dirty="0" err="1"/>
-              <a:t>differenza</a:t>
-            </a:r>
-            <a:r>
-              <a:rPr lang="en-GB" dirty="0"/>
-              <a:t> </a:t>
-            </a:r>
-            <a:r>
-              <a:rPr lang="en-GB" dirty="0" err="1"/>
-              <a:t>tra</a:t>
-            </a:r>
-            <a:r>
-              <a:rPr lang="en-GB" dirty="0"/>
-              <a:t> I</a:t>
-            </a:r>
-          </a:p>
-          <a:p>
-            <a:r>
-              <a:rPr lang="en-GB" dirty="0" err="1"/>
-              <a:t>Aic</a:t>
-            </a:r>
-            <a:r>
-              <a:rPr lang="en-GB" dirty="0"/>
-              <a:t> e </a:t>
-            </a:r>
-            <a:r>
-              <a:rPr lang="en-GB" dirty="0" err="1"/>
-              <a:t>Aic</a:t>
-            </a:r>
-            <a:r>
-              <a:rPr lang="en-GB" dirty="0"/>
-              <a:t> di </a:t>
-            </a:r>
-            <a:r>
-              <a:rPr lang="en-GB" dirty="0" err="1"/>
-              <a:t>validazione</a:t>
-            </a:r>
-            <a:r>
-              <a:rPr lang="en-GB" dirty="0"/>
-              <a:t> ha </a:t>
-            </a:r>
-            <a:r>
-              <a:rPr lang="en-GB" dirty="0" err="1"/>
-              <a:t>uno</a:t>
-            </a:r>
-            <a:r>
-              <a:rPr lang="en-GB" dirty="0"/>
-              <a:t> </a:t>
-            </a:r>
-            <a:r>
-              <a:rPr lang="en-GB" dirty="0" err="1"/>
-              <a:t>scarto</a:t>
-            </a:r>
-            <a:r>
-              <a:rPr lang="en-GB" dirty="0"/>
-              <a:t> </a:t>
-            </a:r>
-          </a:p>
-          <a:p>
-            <a:r>
-              <a:rPr lang="en-GB" dirty="0" err="1"/>
-              <a:t>Minore</a:t>
-            </a:r>
-            <a:r>
-              <a:rPr lang="en-GB" dirty="0"/>
-              <a:t> </a:t>
-            </a:r>
-            <a:r>
-              <a:rPr lang="en-GB" dirty="0" err="1"/>
-              <a:t>più</a:t>
-            </a:r>
-            <a:r>
-              <a:rPr lang="en-GB" dirty="0"/>
-              <a:t> </a:t>
-            </a:r>
-            <a:r>
-              <a:rPr lang="en-GB" dirty="0" err="1"/>
-              <a:t>vicino</a:t>
-            </a:r>
-            <a:r>
-              <a:rPr lang="en-GB" dirty="0"/>
-              <a:t> </a:t>
-            </a:r>
-            <a:r>
-              <a:rPr lang="en-GB" dirty="0" err="1"/>
-              <a:t>allo</a:t>
-            </a:r>
-            <a:r>
-              <a:rPr lang="en-GB" dirty="0"/>
-              <a:t> zero</a:t>
+        </p:txBody>
+      </p:sp>
+      <p:pic>
+        <p:nvPicPr>
+          <p:cNvPr id="6" name="Picture 5">
+            <a:extLst>
+              <a:ext uri="{FF2B5EF4-FFF2-40B4-BE49-F238E27FC236}">
+                <a16:creationId xmlns:a16="http://schemas.microsoft.com/office/drawing/2014/main" id="{D45D8C76-9E55-4E97-889D-7A9274C312F7}"/>
+              </a:ext>
+            </a:extLst>
+          </p:cNvPr>
+          <p:cNvPicPr>
+            <a:picLocks noChangeAspect="1"/>
+          </p:cNvPicPr>
+          <p:nvPr/>
+        </p:nvPicPr>
+        <p:blipFill>
+          <a:blip r:embed="rId2"/>
+          <a:stretch>
+            <a:fillRect/>
+          </a:stretch>
+        </p:blipFill>
+        <p:spPr>
+          <a:xfrm>
+            <a:off x="6276513" y="467435"/>
+            <a:ext cx="5821259" cy="5438721"/>
+          </a:xfrm>
+          <a:prstGeom prst="rect">
+            <a:avLst/>
+          </a:prstGeom>
+        </p:spPr>
+      </p:pic>
+      <p:sp>
+        <p:nvSpPr>
+          <p:cNvPr id="10" name="Rectangle 9">
+            <a:extLst>
+              <a:ext uri="{FF2B5EF4-FFF2-40B4-BE49-F238E27FC236}">
+                <a16:creationId xmlns:a16="http://schemas.microsoft.com/office/drawing/2014/main" id="{206849D1-59EC-463B-BDD4-901777FD8E4C}"/>
+              </a:ext>
+            </a:extLst>
+          </p:cNvPr>
+          <p:cNvSpPr/>
+          <p:nvPr/>
+        </p:nvSpPr>
+        <p:spPr>
+          <a:xfrm>
+            <a:off x="129913" y="2007325"/>
+            <a:ext cx="6501706" cy="1169551"/>
+          </a:xfrm>
+          <a:prstGeom prst="rect">
+            <a:avLst/>
+          </a:prstGeom>
+        </p:spPr>
+        <p:txBody>
+          <a:bodyPr wrap="square">
+            <a:spAutoFit/>
+          </a:bodyPr>
+          <a:lstStyle/>
+          <a:p>
+            <a:r>
+              <a:rPr lang="en-GB" sz="1400" dirty="0" err="1"/>
+              <a:t>Modelli</a:t>
+            </a:r>
+            <a:endParaRPr lang="en-GB" sz="1400" dirty="0"/>
+          </a:p>
+          <a:p>
+            <a:r>
+              <a:rPr lang="en-GB" sz="1400" dirty="0"/>
+              <a:t>11.67319  2.07241	12.47037	12.8673	-57.2097	13.6664  14.0664   14.4664</a:t>
+            </a:r>
+          </a:p>
+          <a:p>
+            <a:r>
+              <a:rPr lang="en-GB" sz="1400" dirty="0"/>
+              <a:t>14	      28	 42		56		70		84		98		112</a:t>
+            </a:r>
+          </a:p>
+          <a:p>
+            <a:r>
+              <a:rPr lang="en-GB" sz="1400" dirty="0" err="1"/>
+              <a:t>Validazione</a:t>
+            </a:r>
+            <a:endParaRPr lang="en-GB" sz="1400" dirty="0"/>
+          </a:p>
+          <a:p>
+            <a:r>
+              <a:rPr lang="en-GB" sz="1400" dirty="0"/>
+              <a:t>11.4027  12.3100	13.1337	14.1963	15.3592	17.316    18.0825	18.8594</a:t>
             </a:r>
           </a:p>
         </p:txBody>
@@ -5266,7 +6179,439 @@
 </p:sld>
 </file>
 
-<file path=ppt/slides/slide11.xml><?xml version="1.0" encoding="utf-8"?>
+<file path=ppt/slides/slide13.xml><?xml version="1.0" encoding="utf-8"?>
+<p:sld xmlns:a="http://schemas.openxmlformats.org/drawingml/2006/main" xmlns:r="http://schemas.openxmlformats.org/officeDocument/2006/relationships" xmlns:p="http://schemas.openxmlformats.org/presentationml/2006/main">
+  <p:cSld>
+    <p:bg>
+      <p:bgPr>
+        <a:solidFill>
+          <a:schemeClr val="bg1"/>
+        </a:solidFill>
+        <a:effectLst/>
+      </p:bgPr>
+    </p:bg>
+    <p:spTree>
+      <p:nvGrpSpPr>
+        <p:cNvPr id="1" name=""/>
+        <p:cNvGrpSpPr/>
+        <p:nvPr/>
+      </p:nvGrpSpPr>
+      <p:grpSpPr>
+        <a:xfrm>
+          <a:off x="0" y="0"/>
+          <a:ext cx="0" cy="0"/>
+          <a:chOff x="0" y="0"/>
+          <a:chExt cx="0" cy="0"/>
+        </a:xfrm>
+      </p:grpSpPr>
+      <p:sp>
+        <p:nvSpPr>
+          <p:cNvPr id="8" name="Rectangle 7">
+            <a:extLst>
+              <a:ext uri="{FF2B5EF4-FFF2-40B4-BE49-F238E27FC236}">
+                <a16:creationId xmlns:a16="http://schemas.microsoft.com/office/drawing/2014/main" id="{8C266B9D-DC87-430A-8D3A-2E83639A1768}"/>
+              </a:ext>
+              <a:ext uri="{C183D7F6-B498-43B3-948B-1728B52AA6E4}">
+                <adec:decorative xmlns:adec="http://schemas.microsoft.com/office/drawing/2017/decorative" val="1"/>
+              </a:ext>
+            </a:extLst>
+          </p:cNvPr>
+          <p:cNvSpPr>
+            <a:spLocks noGrp="1" noRot="1" noChangeAspect="1" noMove="1" noResize="1" noEditPoints="1" noAdjustHandles="1" noChangeArrowheads="1" noChangeShapeType="1" noTextEdit="1"/>
+          </p:cNvSpPr>
+          <p:nvPr>
+            <p:extLst>
+              <p:ext uri="{386F3935-93C4-4BCD-93E2-E3B085C9AB24}">
+                <p16:designElem xmlns:p16="http://schemas.microsoft.com/office/powerpoint/2015/main" val="1"/>
+              </p:ext>
+            </p:extLst>
+          </p:nvPr>
+        </p:nvSpPr>
+        <p:spPr>
+          <a:xfrm>
+            <a:off x="0" y="0"/>
+            <a:ext cx="12192000" cy="6858000"/>
+          </a:xfrm>
+          <a:prstGeom prst="rect">
+            <a:avLst/>
+          </a:prstGeom>
+          <a:solidFill>
+            <a:srgbClr val="FFFFFF"/>
+          </a:solidFill>
+          <a:ln>
+            <a:noFill/>
+          </a:ln>
+        </p:spPr>
+        <p:style>
+          <a:lnRef idx="2">
+            <a:schemeClr val="accent1">
+              <a:shade val="50000"/>
+            </a:schemeClr>
+          </a:lnRef>
+          <a:fillRef idx="1">
+            <a:schemeClr val="accent1"/>
+          </a:fillRef>
+          <a:effectRef idx="0">
+            <a:schemeClr val="accent1"/>
+          </a:effectRef>
+          <a:fontRef idx="minor">
+            <a:schemeClr val="lt1"/>
+          </a:fontRef>
+        </p:style>
+        <p:txBody>
+          <a:bodyPr rtlCol="0" anchor="ctr"/>
+          <a:lstStyle/>
+          <a:p>
+            <a:pPr algn="ctr"/>
+            <a:endParaRPr lang="en-US"/>
+          </a:p>
+        </p:txBody>
+      </p:sp>
+      <p:sp>
+        <p:nvSpPr>
+          <p:cNvPr id="10" name="Rectangle 9">
+            <a:extLst>
+              <a:ext uri="{FF2B5EF4-FFF2-40B4-BE49-F238E27FC236}">
+                <a16:creationId xmlns:a16="http://schemas.microsoft.com/office/drawing/2014/main" id="{69282F36-261B-49B3-8CA9-FB857C475A0E}"/>
+              </a:ext>
+              <a:ext uri="{C183D7F6-B498-43B3-948B-1728B52AA6E4}">
+                <adec:decorative xmlns:adec="http://schemas.microsoft.com/office/drawing/2017/decorative" val="1"/>
+              </a:ext>
+            </a:extLst>
+          </p:cNvPr>
+          <p:cNvSpPr>
+            <a:spLocks noGrp="1" noRot="1" noChangeAspect="1" noMove="1" noResize="1" noEditPoints="1" noAdjustHandles="1" noChangeArrowheads="1" noChangeShapeType="1" noTextEdit="1"/>
+          </p:cNvSpPr>
+          <p:nvPr>
+            <p:extLst>
+              <p:ext uri="{386F3935-93C4-4BCD-93E2-E3B085C9AB24}">
+                <p16:designElem xmlns:p16="http://schemas.microsoft.com/office/powerpoint/2015/main" val="1"/>
+              </p:ext>
+            </p:extLst>
+          </p:nvPr>
+        </p:nvSpPr>
+        <p:spPr>
+          <a:xfrm>
+            <a:off x="446534" y="455422"/>
+            <a:ext cx="3703320" cy="94997"/>
+          </a:xfrm>
+          <a:prstGeom prst="rect">
+            <a:avLst/>
+          </a:prstGeom>
+          <a:solidFill>
+            <a:schemeClr val="accent1"/>
+          </a:solidFill>
+          <a:ln>
+            <a:noFill/>
+          </a:ln>
+          <a:effectLst/>
+        </p:spPr>
+        <p:style>
+          <a:lnRef idx="1">
+            <a:schemeClr val="accent1"/>
+          </a:lnRef>
+          <a:fillRef idx="3">
+            <a:schemeClr val="accent1"/>
+          </a:fillRef>
+          <a:effectRef idx="2">
+            <a:schemeClr val="accent1"/>
+          </a:effectRef>
+          <a:fontRef idx="minor">
+            <a:schemeClr val="lt1"/>
+          </a:fontRef>
+        </p:style>
+      </p:sp>
+      <p:sp>
+        <p:nvSpPr>
+          <p:cNvPr id="12" name="Rectangle 11">
+            <a:extLst>
+              <a:ext uri="{FF2B5EF4-FFF2-40B4-BE49-F238E27FC236}">
+                <a16:creationId xmlns:a16="http://schemas.microsoft.com/office/drawing/2014/main" id="{B87215C3-3B83-4BE7-9213-26E084BD6158}"/>
+              </a:ext>
+              <a:ext uri="{C183D7F6-B498-43B3-948B-1728B52AA6E4}">
+                <adec:decorative xmlns:adec="http://schemas.microsoft.com/office/drawing/2017/decorative" val="1"/>
+              </a:ext>
+            </a:extLst>
+          </p:cNvPr>
+          <p:cNvSpPr>
+            <a:spLocks noGrp="1" noRot="1" noChangeAspect="1" noMove="1" noResize="1" noEditPoints="1" noAdjustHandles="1" noChangeArrowheads="1" noChangeShapeType="1" noTextEdit="1"/>
+          </p:cNvSpPr>
+          <p:nvPr>
+            <p:extLst>
+              <p:ext uri="{386F3935-93C4-4BCD-93E2-E3B085C9AB24}">
+                <p16:designElem xmlns:p16="http://schemas.microsoft.com/office/powerpoint/2015/main" val="1"/>
+              </p:ext>
+            </p:extLst>
+          </p:nvPr>
+        </p:nvSpPr>
+        <p:spPr>
+          <a:xfrm>
+            <a:off x="4244341" y="457200"/>
+            <a:ext cx="3703320" cy="91440"/>
+          </a:xfrm>
+          <a:prstGeom prst="rect">
+            <a:avLst/>
+          </a:prstGeom>
+          <a:solidFill>
+            <a:schemeClr val="accent2"/>
+          </a:solidFill>
+          <a:ln>
+            <a:noFill/>
+          </a:ln>
+          <a:effectLst/>
+        </p:spPr>
+        <p:style>
+          <a:lnRef idx="1">
+            <a:schemeClr val="accent1"/>
+          </a:lnRef>
+          <a:fillRef idx="3">
+            <a:schemeClr val="accent1"/>
+          </a:fillRef>
+          <a:effectRef idx="2">
+            <a:schemeClr val="accent1"/>
+          </a:effectRef>
+          <a:fontRef idx="minor">
+            <a:schemeClr val="lt1"/>
+          </a:fontRef>
+        </p:style>
+      </p:sp>
+      <p:sp>
+        <p:nvSpPr>
+          <p:cNvPr id="14" name="Rectangle 13">
+            <a:extLst>
+              <a:ext uri="{FF2B5EF4-FFF2-40B4-BE49-F238E27FC236}">
+                <a16:creationId xmlns:a16="http://schemas.microsoft.com/office/drawing/2014/main" id="{13A105D4-2907-419E-8223-4C266BA1E5FB}"/>
+              </a:ext>
+              <a:ext uri="{C183D7F6-B498-43B3-948B-1728B52AA6E4}">
+                <adec:decorative xmlns:adec="http://schemas.microsoft.com/office/drawing/2017/decorative" val="1"/>
+              </a:ext>
+            </a:extLst>
+          </p:cNvPr>
+          <p:cNvSpPr>
+            <a:spLocks noGrp="1" noRot="1" noChangeAspect="1" noMove="1" noResize="1" noEditPoints="1" noAdjustHandles="1" noChangeArrowheads="1" noChangeShapeType="1" noTextEdit="1"/>
+          </p:cNvSpPr>
+          <p:nvPr>
+            <p:extLst>
+              <p:ext uri="{386F3935-93C4-4BCD-93E2-E3B085C9AB24}">
+                <p16:designElem xmlns:p16="http://schemas.microsoft.com/office/powerpoint/2015/main" val="1"/>
+              </p:ext>
+            </p:extLst>
+          </p:nvPr>
+        </p:nvSpPr>
+        <p:spPr>
+          <a:xfrm>
+            <a:off x="8042147" y="453643"/>
+            <a:ext cx="3703320" cy="98554"/>
+          </a:xfrm>
+          <a:prstGeom prst="rect">
+            <a:avLst/>
+          </a:prstGeom>
+          <a:solidFill>
+            <a:schemeClr val="accent4"/>
+          </a:solidFill>
+          <a:ln>
+            <a:noFill/>
+          </a:ln>
+          <a:effectLst/>
+        </p:spPr>
+        <p:style>
+          <a:lnRef idx="1">
+            <a:schemeClr val="accent1"/>
+          </a:lnRef>
+          <a:fillRef idx="3">
+            <a:schemeClr val="accent1"/>
+          </a:fillRef>
+          <a:effectRef idx="2">
+            <a:schemeClr val="accent1"/>
+          </a:effectRef>
+          <a:fontRef idx="minor">
+            <a:schemeClr val="lt1"/>
+          </a:fontRef>
+        </p:style>
+      </p:sp>
+      <p:sp>
+        <p:nvSpPr>
+          <p:cNvPr id="16" name="Rectangle 15">
+            <a:extLst>
+              <a:ext uri="{FF2B5EF4-FFF2-40B4-BE49-F238E27FC236}">
+                <a16:creationId xmlns:a16="http://schemas.microsoft.com/office/drawing/2014/main" id="{1EEE7F17-8E08-4C69-8E22-661908E6DF72}"/>
+              </a:ext>
+              <a:ext uri="{C183D7F6-B498-43B3-948B-1728B52AA6E4}">
+                <adec:decorative xmlns:adec="http://schemas.microsoft.com/office/drawing/2017/decorative" val="1"/>
+              </a:ext>
+            </a:extLst>
+          </p:cNvPr>
+          <p:cNvSpPr>
+            <a:spLocks noGrp="1" noRot="1" noChangeAspect="1" noMove="1" noResize="1" noEditPoints="1" noAdjustHandles="1" noChangeArrowheads="1" noChangeShapeType="1" noTextEdit="1"/>
+          </p:cNvSpPr>
+          <p:nvPr>
+            <p:extLst>
+              <p:ext uri="{386F3935-93C4-4BCD-93E2-E3B085C9AB24}">
+                <p16:designElem xmlns:p16="http://schemas.microsoft.com/office/powerpoint/2015/main" val="1"/>
+              </p:ext>
+            </p:extLst>
+          </p:nvPr>
+        </p:nvSpPr>
+        <p:spPr>
+          <a:xfrm>
+            <a:off x="446533" y="5873675"/>
+            <a:ext cx="11296733" cy="516890"/>
+          </a:xfrm>
+          <a:prstGeom prst="rect">
+            <a:avLst/>
+          </a:prstGeom>
+          <a:solidFill>
+            <a:schemeClr val="accent1"/>
+          </a:solidFill>
+          <a:ln>
+            <a:noFill/>
+          </a:ln>
+          <a:effectLst/>
+        </p:spPr>
+        <p:style>
+          <a:lnRef idx="1">
+            <a:schemeClr val="accent1"/>
+          </a:lnRef>
+          <a:fillRef idx="3">
+            <a:schemeClr val="accent1"/>
+          </a:fillRef>
+          <a:effectRef idx="2">
+            <a:schemeClr val="accent1"/>
+          </a:effectRef>
+          <a:fontRef idx="minor">
+            <a:schemeClr val="lt1"/>
+          </a:fontRef>
+        </p:style>
+      </p:sp>
+      <p:sp>
+        <p:nvSpPr>
+          <p:cNvPr id="4" name="Rectangle 3">
+            <a:extLst>
+              <a:ext uri="{FF2B5EF4-FFF2-40B4-BE49-F238E27FC236}">
+                <a16:creationId xmlns:a16="http://schemas.microsoft.com/office/drawing/2014/main" id="{A5DA47E4-EEBB-440E-AD12-892ACEF1835B}"/>
+              </a:ext>
+            </a:extLst>
+          </p:cNvPr>
+          <p:cNvSpPr/>
+          <p:nvPr/>
+        </p:nvSpPr>
+        <p:spPr>
+          <a:xfrm>
+            <a:off x="446533" y="836977"/>
+            <a:ext cx="6096000" cy="1723549"/>
+          </a:xfrm>
+          <a:prstGeom prst="rect">
+            <a:avLst/>
+          </a:prstGeom>
+        </p:spPr>
+        <p:txBody>
+          <a:bodyPr>
+            <a:spAutoFit/>
+          </a:bodyPr>
+          <a:lstStyle/>
+          <a:p>
+            <a:r>
+              <a:rPr lang="en-GB" b="1" dirty="0"/>
+              <a:t>CONFRONTO</a:t>
+            </a:r>
+            <a:r>
+              <a:rPr lang="en-GB" dirty="0"/>
+              <a:t> </a:t>
+            </a:r>
+            <a:r>
+              <a:rPr lang="en-GB" b="1" dirty="0"/>
+              <a:t>MDL</a:t>
+            </a:r>
+          </a:p>
+          <a:p>
+            <a:endParaRPr lang="en-GB" dirty="0"/>
+          </a:p>
+          <a:p>
+            <a:r>
+              <a:rPr lang="en-GB" sz="1400" dirty="0" err="1"/>
+              <a:t>Modello</a:t>
+            </a:r>
+            <a:endParaRPr lang="en-GB" sz="1400" dirty="0"/>
+          </a:p>
+          <a:p>
+            <a:r>
+              <a:rPr lang="en-GB" sz="1400" dirty="0"/>
+              <a:t>11.9195	12.5487	14.8792	6.3283	7.2117    -34.4126</a:t>
+            </a:r>
+          </a:p>
+          <a:p>
+            <a:r>
+              <a:rPr lang="en-GB" sz="1400" dirty="0"/>
+              <a:t>Four14	Four28	</a:t>
+            </a:r>
+            <a:r>
+              <a:rPr lang="en-GB" sz="1400" dirty="0" err="1"/>
+              <a:t>Neurale</a:t>
+            </a:r>
+            <a:r>
+              <a:rPr lang="en-GB" sz="1400" dirty="0"/>
+              <a:t>	Lin1		Lin2		Lin3</a:t>
+            </a:r>
+          </a:p>
+          <a:p>
+            <a:r>
+              <a:rPr lang="en-GB" sz="1400" dirty="0" err="1"/>
+              <a:t>Validazione</a:t>
+            </a:r>
+            <a:endParaRPr lang="en-GB" sz="1400" dirty="0"/>
+          </a:p>
+          <a:p>
+            <a:r>
+              <a:rPr lang="en-GB" sz="1400" dirty="0"/>
+              <a:t>11.1686	11.8574	14.8792	5.8208	13.6443  33.8402</a:t>
+            </a:r>
+          </a:p>
+        </p:txBody>
+      </p:sp>
+      <p:pic>
+        <p:nvPicPr>
+          <p:cNvPr id="5" name="Picture 4">
+            <a:extLst>
+              <a:ext uri="{FF2B5EF4-FFF2-40B4-BE49-F238E27FC236}">
+                <a16:creationId xmlns:a16="http://schemas.microsoft.com/office/drawing/2014/main" id="{A2E6F7CA-367C-4522-9E51-6193A4742F8E}"/>
+              </a:ext>
+            </a:extLst>
+          </p:cNvPr>
+          <p:cNvPicPr>
+            <a:picLocks noChangeAspect="1"/>
+          </p:cNvPicPr>
+          <p:nvPr/>
+        </p:nvPicPr>
+        <p:blipFill>
+          <a:blip r:embed="rId2"/>
+          <a:stretch>
+            <a:fillRect/>
+          </a:stretch>
+        </p:blipFill>
+        <p:spPr>
+          <a:xfrm>
+            <a:off x="5744702" y="748907"/>
+            <a:ext cx="6082416" cy="4566733"/>
+          </a:xfrm>
+          <a:prstGeom prst="rect">
+            <a:avLst/>
+          </a:prstGeom>
+        </p:spPr>
+      </p:pic>
+    </p:spTree>
+    <p:extLst>
+      <p:ext uri="{BB962C8B-B14F-4D97-AF65-F5344CB8AC3E}">
+        <p14:creationId xmlns:p14="http://schemas.microsoft.com/office/powerpoint/2010/main" val="3734111923"/>
+      </p:ext>
+    </p:extLst>
+  </p:cSld>
+  <p:clrMapOvr>
+    <a:masterClrMapping/>
+  </p:clrMapOvr>
+</p:sld>
+</file>
+
+<file path=ppt/slides/slide14.xml><?xml version="1.0" encoding="utf-8"?>
 <p:sld xmlns:a="http://schemas.openxmlformats.org/drawingml/2006/main" xmlns:r="http://schemas.openxmlformats.org/officeDocument/2006/relationships" xmlns:p="http://schemas.openxmlformats.org/presentationml/2006/main">
   <p:cSld>
     <p:spTree>
@@ -5288,7 +6633,7 @@
           <p:cNvPr id="2" name="TextBox 1">
             <a:extLst>
               <a:ext uri="{FF2B5EF4-FFF2-40B4-BE49-F238E27FC236}">
-                <a16:creationId xmlns:a16="http://schemas.microsoft.com/office/drawing/2014/main" id="{6A9FDBB3-0D74-4634-A139-7DF72054686F}"/>
+                <a16:creationId xmlns:a16="http://schemas.microsoft.com/office/drawing/2014/main" id="{2D590B65-B89A-42B1-B81C-DB3E3332CA3A}"/>
               </a:ext>
             </a:extLst>
           </p:cNvPr>
@@ -5297,8 +6642,8 @@
         </p:nvSpPr>
         <p:spPr>
           <a:xfrm>
-            <a:off x="568778" y="1160756"/>
-            <a:ext cx="11054443" cy="2308324"/>
+            <a:off x="701335" y="1544714"/>
+            <a:ext cx="5894773" cy="3108543"/>
           </a:xfrm>
           <a:prstGeom prst="rect">
             <a:avLst/>
@@ -5312,242 +6657,417 @@
           <a:lstStyle/>
           <a:p>
             <a:r>
-              <a:rPr lang="en-GB" dirty="0"/>
-              <a:t>aicFourier14 è </a:t>
-            </a:r>
-            <a:r>
-              <a:rPr lang="en-GB" dirty="0" err="1"/>
+              <a:rPr lang="en-GB" b="1" dirty="0"/>
+              <a:t>CONSIDERAZIONI FINALI</a:t>
+            </a:r>
+          </a:p>
+          <a:p>
+            <a:endParaRPr lang="en-GB" dirty="0"/>
+          </a:p>
+          <a:p>
+            <a:r>
+              <a:rPr lang="en-GB" sz="1600" dirty="0" err="1"/>
+              <a:t>Alla</a:t>
+            </a:r>
+            <a:r>
+              <a:rPr lang="en-GB" sz="1600" dirty="0"/>
+              <a:t> luce </a:t>
+            </a:r>
+            <a:r>
+              <a:rPr lang="en-GB" sz="1600" dirty="0" err="1"/>
+              <a:t>dei</a:t>
+            </a:r>
+            <a:r>
+              <a:rPr lang="en-GB" sz="1600" dirty="0"/>
+              <a:t> </a:t>
+            </a:r>
+            <a:r>
+              <a:rPr lang="en-GB" sz="1600" dirty="0" err="1"/>
+              <a:t>valori</a:t>
+            </a:r>
+            <a:r>
+              <a:rPr lang="en-GB" sz="1600" dirty="0"/>
+              <a:t> di FPE, AIC e MDL </a:t>
+            </a:r>
+            <a:r>
+              <a:rPr lang="en-GB" sz="1600" dirty="0" err="1"/>
+              <a:t>ottenuti</a:t>
+            </a:r>
+            <a:r>
+              <a:rPr lang="en-GB" sz="1600" dirty="0"/>
+              <a:t> </a:t>
+            </a:r>
+            <a:r>
+              <a:rPr lang="en-GB" sz="1600" dirty="0" err="1"/>
+              <a:t>preferiamo</a:t>
+            </a:r>
+            <a:r>
+              <a:rPr lang="en-GB" sz="1600" dirty="0"/>
+              <a:t> </a:t>
+            </a:r>
+            <a:r>
+              <a:rPr lang="en-GB" sz="1600" dirty="0" err="1"/>
+              <a:t>scegliere</a:t>
+            </a:r>
+            <a:r>
+              <a:rPr lang="en-GB" sz="1600" dirty="0"/>
+              <a:t> come </a:t>
+            </a:r>
+            <a:r>
+              <a:rPr lang="en-GB" sz="1600" dirty="0" err="1"/>
+              <a:t>predittore</a:t>
+            </a:r>
+            <a:r>
+              <a:rPr lang="en-GB" sz="1600" dirty="0"/>
+              <a:t> </a:t>
+            </a:r>
+            <a:r>
+              <a:rPr lang="en-GB" sz="1600" dirty="0" err="1"/>
               <a:t>il</a:t>
             </a:r>
             <a:r>
-              <a:rPr lang="en-GB" dirty="0"/>
+              <a:rPr lang="en-GB" sz="1600" dirty="0"/>
               <a:t> </a:t>
             </a:r>
             <a:r>
-              <a:rPr lang="en-GB" dirty="0" err="1"/>
-              <a:t>migliore</a:t>
-            </a:r>
-            <a:r>
-              <a:rPr lang="en-GB" dirty="0"/>
-              <a:t> in </a:t>
-            </a:r>
-            <a:r>
-              <a:rPr lang="en-GB" dirty="0" err="1"/>
-              <a:t>quanto</a:t>
-            </a:r>
-            <a:r>
-              <a:rPr lang="en-GB" dirty="0"/>
+              <a:rPr lang="en-GB" sz="1600" dirty="0" err="1"/>
+              <a:t>modello</a:t>
+            </a:r>
+            <a:r>
+              <a:rPr lang="en-GB" sz="1600" dirty="0"/>
+              <a:t> di Fourier</a:t>
+            </a:r>
+          </a:p>
+          <a:p>
+            <a:r>
+              <a:rPr lang="en-GB" sz="1600" dirty="0"/>
+              <a:t>Con 14 </a:t>
+            </a:r>
+            <a:r>
+              <a:rPr lang="en-GB" sz="1600" dirty="0" err="1"/>
+              <a:t>armoniche</a:t>
+            </a:r>
+            <a:r>
+              <a:rPr lang="en-GB" sz="1600" dirty="0"/>
+              <a:t>, </a:t>
+            </a:r>
+            <a:r>
+              <a:rPr lang="en-GB" sz="1600" dirty="0" err="1"/>
+              <a:t>scelta</a:t>
+            </a:r>
+            <a:r>
+              <a:rPr lang="en-GB" sz="1600" dirty="0"/>
               <a:t> </a:t>
             </a:r>
             <a:r>
-              <a:rPr lang="en-GB" dirty="0" err="1"/>
-              <a:t>più</a:t>
-            </a:r>
-            <a:r>
-              <a:rPr lang="en-GB" dirty="0"/>
+              <a:rPr lang="en-GB" sz="1600" dirty="0" err="1"/>
+              <a:t>che</a:t>
+            </a:r>
+            <a:r>
+              <a:rPr lang="en-GB" sz="1600" dirty="0"/>
               <a:t> </a:t>
             </a:r>
             <a:r>
-              <a:rPr lang="en-GB" dirty="0" err="1"/>
-              <a:t>vicino</a:t>
-            </a:r>
-            <a:r>
-              <a:rPr lang="en-GB" dirty="0"/>
+              <a:rPr lang="en-GB" sz="1600" dirty="0" err="1"/>
+              <a:t>viene</a:t>
+            </a:r>
+            <a:r>
+              <a:rPr lang="en-GB" sz="1600" dirty="0"/>
               <a:t> </a:t>
             </a:r>
             <a:r>
-              <a:rPr lang="en-GB" dirty="0" err="1"/>
-              <a:t>all’aicFourierVal</a:t>
-            </a:r>
-            <a:r>
-              <a:rPr lang="en-GB" dirty="0"/>
-              <a:t> (circa 6.3 rispetto circa 7)</a:t>
-            </a:r>
-          </a:p>
-          <a:p>
-            <a:r>
-              <a:rPr lang="en-GB" dirty="0"/>
-              <a:t>RINOMINARE  VARIABILE CON NOME </a:t>
-            </a:r>
-            <a:r>
-              <a:rPr lang="en-GB" dirty="0" err="1"/>
-              <a:t>Più</a:t>
-            </a:r>
-            <a:r>
-              <a:rPr lang="en-GB" dirty="0"/>
-              <a:t> SIGNIFICATIVO</a:t>
-            </a:r>
-          </a:p>
-          <a:p>
-            <a:endParaRPr lang="en-GB" dirty="0"/>
-          </a:p>
-          <a:p>
-            <a:r>
-              <a:rPr lang="en-GB" dirty="0" err="1"/>
-              <a:t>L’indice</a:t>
-            </a:r>
-            <a:r>
-              <a:rPr lang="en-GB" dirty="0"/>
+              <a:rPr lang="en-GB" sz="1600" dirty="0" err="1"/>
+              <a:t>confermata</a:t>
+            </a:r>
+            <a:r>
+              <a:rPr lang="en-GB" sz="1600" dirty="0"/>
               <a:t> </a:t>
             </a:r>
             <a:r>
-              <a:rPr lang="en-GB" dirty="0" err="1"/>
-              <a:t>Fpe</a:t>
-            </a:r>
-            <a:r>
-              <a:rPr lang="en-GB" dirty="0"/>
-              <a:t> di Fourier è </a:t>
-            </a:r>
-            <a:r>
-              <a:rPr lang="en-GB" dirty="0" err="1"/>
-              <a:t>migliore</a:t>
-            </a:r>
-            <a:r>
-              <a:rPr lang="en-GB" dirty="0"/>
+              <a:rPr lang="en-GB" sz="1600" dirty="0" err="1"/>
+              <a:t>anche</a:t>
+            </a:r>
+            <a:r>
+              <a:rPr lang="en-GB" sz="1600" dirty="0"/>
               <a:t> </a:t>
             </a:r>
             <a:r>
-              <a:rPr lang="en-GB" dirty="0" err="1"/>
-              <a:t>dell’indice</a:t>
-            </a:r>
-            <a:r>
-              <a:rPr lang="en-GB" dirty="0"/>
+              <a:rPr lang="en-GB" sz="1600" dirty="0" err="1"/>
+              <a:t>dall’indice</a:t>
+            </a:r>
+            <a:r>
+              <a:rPr lang="en-GB" sz="1600" dirty="0"/>
+              <a:t> di MAPE.</a:t>
+            </a:r>
+          </a:p>
+          <a:p>
+            <a:r>
+              <a:rPr lang="en-GB" sz="1600" dirty="0"/>
+              <a:t>Il </a:t>
+            </a:r>
+            <a:r>
+              <a:rPr lang="en-GB" sz="1600" dirty="0" err="1"/>
+              <a:t>predittore</a:t>
+            </a:r>
+            <a:r>
+              <a:rPr lang="en-GB" sz="1600" dirty="0"/>
               <a:t> </a:t>
             </a:r>
             <a:r>
-              <a:rPr lang="en-GB" dirty="0" err="1"/>
-              <a:t>Fpe</a:t>
-            </a:r>
-            <a:r>
-              <a:rPr lang="en-GB" dirty="0"/>
-              <a:t> del </a:t>
-            </a:r>
-            <a:r>
-              <a:rPr lang="en-GB" dirty="0" err="1"/>
-              <a:t>lineare</a:t>
-            </a:r>
-            <a:endParaRPr lang="en-GB" dirty="0"/>
-          </a:p>
-          <a:p>
-            <a:r>
-              <a:rPr lang="en-GB" dirty="0"/>
-              <a:t>INSERIRE  I DUE INDICI DEFINITIVI</a:t>
-            </a:r>
-          </a:p>
-          <a:p>
-            <a:endParaRPr lang="en-GB" dirty="0"/>
-          </a:p>
-          <a:p>
-            <a:r>
-              <a:rPr lang="en-GB" dirty="0" err="1"/>
-              <a:t>Risultato</a:t>
-            </a:r>
-            <a:r>
-              <a:rPr lang="en-GB" dirty="0"/>
+              <a:rPr lang="en-GB" sz="1600" dirty="0" err="1"/>
+              <a:t>scelto</a:t>
+            </a:r>
+            <a:r>
+              <a:rPr lang="en-GB" sz="1600" dirty="0"/>
+              <a:t> è in </a:t>
+            </a:r>
+            <a:r>
+              <a:rPr lang="en-GB" sz="1600" dirty="0" err="1"/>
+              <a:t>grado</a:t>
+            </a:r>
+            <a:r>
+              <a:rPr lang="en-GB" sz="1600" dirty="0"/>
+              <a:t> di </a:t>
+            </a:r>
+            <a:r>
+              <a:rPr lang="en-GB" sz="1600" dirty="0" err="1"/>
+              <a:t>avvicinarsi</a:t>
+            </a:r>
+            <a:r>
+              <a:rPr lang="en-GB" sz="1600" dirty="0"/>
+              <a:t> al </a:t>
+            </a:r>
+            <a:r>
+              <a:rPr lang="en-GB" sz="1600" dirty="0" err="1"/>
+              <a:t>valore</a:t>
+            </a:r>
+            <a:r>
+              <a:rPr lang="en-GB" sz="1600" dirty="0"/>
               <a:t> </a:t>
             </a:r>
             <a:r>
-              <a:rPr lang="en-GB" dirty="0" err="1"/>
-              <a:t>analogo</a:t>
-            </a:r>
-            <a:r>
-              <a:rPr lang="en-GB" dirty="0"/>
+              <a:rPr lang="en-GB" sz="1600" dirty="0" err="1"/>
+              <a:t>atteso</a:t>
+            </a:r>
+            <a:r>
+              <a:rPr lang="en-GB" sz="1600" dirty="0"/>
+              <a:t> con </a:t>
+            </a:r>
+            <a:r>
+              <a:rPr lang="en-GB" sz="1600" dirty="0" err="1"/>
+              <a:t>buoni</a:t>
+            </a:r>
+            <a:r>
+              <a:rPr lang="en-GB" sz="1600" dirty="0"/>
               <a:t> </a:t>
             </a:r>
             <a:r>
-              <a:rPr lang="en-GB" dirty="0" err="1"/>
-              <a:t>nel</a:t>
-            </a:r>
-            <a:r>
-              <a:rPr lang="en-GB" dirty="0"/>
-              <a:t> MDL per le </a:t>
-            </a:r>
-            <a:r>
-              <a:rPr lang="en-GB" dirty="0" err="1"/>
-              <a:t>armoniche</a:t>
-            </a:r>
-            <a:r>
-              <a:rPr lang="en-GB" dirty="0"/>
-              <a:t> di Fourier di </a:t>
-            </a:r>
-            <a:r>
-              <a:rPr lang="en-GB" dirty="0" err="1"/>
-              <a:t>ordine</a:t>
-            </a:r>
-            <a:r>
-              <a:rPr lang="en-GB" dirty="0"/>
-              <a:t> 14</a:t>
-            </a:r>
-          </a:p>
-          <a:p>
-            <a:r>
-              <a:rPr lang="en-GB" dirty="0"/>
-              <a:t>INSERIRE INDICE</a:t>
-            </a:r>
-          </a:p>
-        </p:txBody>
-      </p:sp>
-    </p:spTree>
-    <p:extLst>
-      <p:ext uri="{BB962C8B-B14F-4D97-AF65-F5344CB8AC3E}">
-        <p14:creationId xmlns:p14="http://schemas.microsoft.com/office/powerpoint/2010/main" val="3734111923"/>
-      </p:ext>
-    </p:extLst>
-  </p:cSld>
-  <p:clrMapOvr>
-    <a:masterClrMapping/>
-  </p:clrMapOvr>
-</p:sld>
-</file>
-
-<file path=ppt/slides/slide12.xml><?xml version="1.0" encoding="utf-8"?>
-<p:sld xmlns:a="http://schemas.openxmlformats.org/drawingml/2006/main" xmlns:r="http://schemas.openxmlformats.org/officeDocument/2006/relationships" xmlns:p="http://schemas.openxmlformats.org/presentationml/2006/main">
-  <p:cSld>
-    <p:spTree>
-      <p:nvGrpSpPr>
-        <p:cNvPr id="1" name=""/>
-        <p:cNvGrpSpPr/>
-        <p:nvPr/>
-      </p:nvGrpSpPr>
-      <p:grpSpPr>
-        <a:xfrm>
-          <a:off x="0" y="0"/>
-          <a:ext cx="0" cy="0"/>
-          <a:chOff x="0" y="0"/>
-          <a:chExt cx="0" cy="0"/>
-        </a:xfrm>
-      </p:grpSpPr>
-      <p:sp>
-        <p:nvSpPr>
-          <p:cNvPr id="2" name="TextBox 1">
-            <a:extLst>
-              <a:ext uri="{FF2B5EF4-FFF2-40B4-BE49-F238E27FC236}">
-                <a16:creationId xmlns:a16="http://schemas.microsoft.com/office/drawing/2014/main" id="{2D590B65-B89A-42B1-B81C-DB3E3332CA3A}"/>
-              </a:ext>
-            </a:extLst>
-          </p:cNvPr>
-          <p:cNvSpPr txBox="1"/>
-          <p:nvPr/>
-        </p:nvSpPr>
-        <p:spPr>
-          <a:xfrm>
-            <a:off x="1349406" y="1260629"/>
-            <a:ext cx="8101898" cy="369332"/>
-          </a:xfrm>
-          <a:prstGeom prst="rect">
-            <a:avLst/>
-          </a:prstGeom>
-          <a:noFill/>
-        </p:spPr>
-        <p:txBody>
-          <a:bodyPr wrap="none" rtlCol="0">
-            <a:spAutoFit/>
-          </a:bodyPr>
-          <a:lstStyle/>
-          <a:p>
-            <a:r>
-              <a:rPr lang="en-GB" dirty="0"/>
-              <a:t>SLIDE CONTENENTE TUTTI GLI INDICI DI VALIDAZIONI AGGIORNATI E PLOT</a:t>
+              <a:rPr lang="en-GB" sz="1600" dirty="0" err="1"/>
+              <a:t>margini</a:t>
+            </a:r>
+            <a:r>
+              <a:rPr lang="en-GB" sz="1600" dirty="0"/>
+              <a:t>, </a:t>
+            </a:r>
+            <a:r>
+              <a:rPr lang="en-GB" sz="1600" dirty="0" err="1"/>
+              <a:t>nelle</a:t>
+            </a:r>
+            <a:r>
+              <a:rPr lang="en-GB" sz="1600" dirty="0"/>
+              <a:t> </a:t>
+            </a:r>
+            <a:r>
+              <a:rPr lang="en-GB" sz="1600" dirty="0" err="1"/>
+              <a:t>settimane</a:t>
+            </a:r>
+            <a:r>
+              <a:rPr lang="en-GB" sz="1600" dirty="0"/>
+              <a:t> di </a:t>
+            </a:r>
+            <a:r>
+              <a:rPr lang="en-GB" sz="1600" dirty="0" err="1"/>
+              <a:t>festività</a:t>
+            </a:r>
+            <a:r>
+              <a:rPr lang="en-GB" sz="1600" dirty="0"/>
+              <a:t> </a:t>
+            </a:r>
+            <a:r>
+              <a:rPr lang="en-GB" sz="1600" dirty="0" err="1"/>
+              <a:t>però</a:t>
+            </a:r>
+            <a:r>
+              <a:rPr lang="en-GB" sz="1600" dirty="0"/>
+              <a:t>, </a:t>
+            </a:r>
+          </a:p>
+          <a:p>
+            <a:r>
+              <a:rPr lang="en-GB" sz="1600" dirty="0"/>
+              <a:t>non </a:t>
+            </a:r>
+            <a:r>
+              <a:rPr lang="en-GB" sz="1600" dirty="0" err="1"/>
+              <a:t>essendo</a:t>
+            </a:r>
+            <a:r>
+              <a:rPr lang="en-GB" sz="1600" dirty="0"/>
+              <a:t> </a:t>
+            </a:r>
+            <a:r>
+              <a:rPr lang="en-GB" sz="1600" dirty="0" err="1"/>
+              <a:t>stati</a:t>
+            </a:r>
+            <a:r>
+              <a:rPr lang="en-GB" sz="1600" dirty="0"/>
+              <a:t> </a:t>
+            </a:r>
+            <a:r>
+              <a:rPr lang="en-GB" sz="1600" dirty="0" err="1"/>
+              <a:t>previsti</a:t>
+            </a:r>
+            <a:r>
+              <a:rPr lang="en-GB" sz="1600" dirty="0"/>
+              <a:t> </a:t>
+            </a:r>
+            <a:r>
+              <a:rPr lang="en-GB" sz="1600" dirty="0" err="1"/>
+              <a:t>accorgimenti</a:t>
+            </a:r>
+            <a:r>
+              <a:rPr lang="en-GB" sz="1600" dirty="0"/>
+              <a:t> </a:t>
+            </a:r>
+            <a:r>
+              <a:rPr lang="en-GB" sz="1600" dirty="0" err="1"/>
+              <a:t>efficaci</a:t>
+            </a:r>
+            <a:r>
+              <a:rPr lang="en-GB" sz="1600" dirty="0"/>
+              <a:t> per </a:t>
+            </a:r>
+            <a:r>
+              <a:rPr lang="en-GB" sz="1600" dirty="0" err="1"/>
+              <a:t>gestire</a:t>
+            </a:r>
+            <a:r>
+              <a:rPr lang="en-GB" sz="1600" dirty="0"/>
+              <a:t> </a:t>
+            </a:r>
+            <a:r>
+              <a:rPr lang="en-GB" sz="1600" dirty="0" err="1"/>
+              <a:t>il</a:t>
+            </a:r>
+            <a:r>
+              <a:rPr lang="en-GB" sz="1600" dirty="0"/>
+              <a:t> </a:t>
+            </a:r>
+            <a:r>
+              <a:rPr lang="en-GB" sz="1600" dirty="0" err="1"/>
+              <a:t>cambiamento</a:t>
+            </a:r>
+            <a:r>
+              <a:rPr lang="en-GB" sz="1600" dirty="0"/>
+              <a:t> di </a:t>
+            </a:r>
+            <a:r>
+              <a:rPr lang="en-GB" sz="1600" dirty="0" err="1"/>
+              <a:t>tendenza</a:t>
+            </a:r>
+            <a:r>
+              <a:rPr lang="en-GB" sz="1600" dirty="0"/>
+              <a:t>, </a:t>
+            </a:r>
+            <a:r>
+              <a:rPr lang="en-GB" sz="1600" dirty="0" err="1"/>
+              <a:t>il</a:t>
+            </a:r>
+            <a:r>
+              <a:rPr lang="en-GB" sz="1600" dirty="0"/>
+              <a:t> </a:t>
+            </a:r>
+            <a:r>
+              <a:rPr lang="en-GB" sz="1600" dirty="0" err="1"/>
+              <a:t>risultato</a:t>
+            </a:r>
+            <a:r>
+              <a:rPr lang="en-GB" sz="1600" dirty="0"/>
+              <a:t> </a:t>
+            </a:r>
+            <a:r>
+              <a:rPr lang="en-GB" sz="1600" dirty="0" err="1"/>
+              <a:t>della</a:t>
+            </a:r>
+            <a:r>
+              <a:rPr lang="en-GB" sz="1600" dirty="0"/>
+              <a:t> prima</a:t>
+            </a:r>
+          </a:p>
+          <a:p>
+            <a:r>
+              <a:rPr lang="en-GB" sz="1600" dirty="0" err="1"/>
+              <a:t>settimana</a:t>
+            </a:r>
+            <a:r>
+              <a:rPr lang="en-GB" sz="1600" dirty="0"/>
+              <a:t> del nuovo trend è </a:t>
+            </a:r>
+            <a:r>
+              <a:rPr lang="en-GB" sz="1600" dirty="0" err="1"/>
+              <a:t>pessimo</a:t>
+            </a:r>
+            <a:r>
+              <a:rPr lang="en-GB" sz="1600" dirty="0"/>
+              <a:t>, </a:t>
+            </a:r>
+            <a:r>
+              <a:rPr lang="en-GB" sz="1600" dirty="0" err="1"/>
+              <a:t>essendo</a:t>
+            </a:r>
+            <a:r>
+              <a:rPr lang="en-GB" sz="1600" dirty="0"/>
+              <a:t> </a:t>
+            </a:r>
+            <a:r>
+              <a:rPr lang="en-GB" sz="1600" dirty="0" err="1"/>
+              <a:t>calcolato</a:t>
+            </a:r>
+            <a:r>
+              <a:rPr lang="en-GB" sz="1600" dirty="0"/>
+              <a:t> </a:t>
+            </a:r>
+            <a:r>
+              <a:rPr lang="en-GB" sz="1600" dirty="0" err="1"/>
+              <a:t>sulla</a:t>
+            </a:r>
+            <a:r>
+              <a:rPr lang="en-GB" sz="1600" dirty="0"/>
+              <a:t> </a:t>
+            </a:r>
+            <a:r>
+              <a:rPr lang="en-GB" sz="1600" dirty="0" err="1"/>
+              <a:t>settimana</a:t>
+            </a:r>
+            <a:r>
+              <a:rPr lang="en-GB" sz="1600" dirty="0"/>
+              <a:t> </a:t>
+            </a:r>
+            <a:r>
+              <a:rPr lang="en-GB" sz="1600" dirty="0" err="1"/>
+              <a:t>immediatamente</a:t>
+            </a:r>
+            <a:r>
+              <a:rPr lang="en-GB" sz="1600" dirty="0"/>
+              <a:t> </a:t>
+            </a:r>
+            <a:r>
+              <a:rPr lang="en-GB" sz="1600" dirty="0" err="1"/>
+              <a:t>precendente</a:t>
+            </a:r>
+            <a:r>
+              <a:rPr lang="en-GB" sz="1600" dirty="0"/>
+              <a:t>.</a:t>
             </a:r>
           </a:p>
         </p:txBody>
@@ -8375,8 +9895,8 @@
         </p:nvSpPr>
         <p:spPr>
           <a:xfrm>
-            <a:off x="954157" y="1859340"/>
-            <a:ext cx="5671930" cy="1569660"/>
+            <a:off x="692898" y="1238852"/>
+            <a:ext cx="5671930" cy="3046988"/>
           </a:xfrm>
           <a:prstGeom prst="rect">
             <a:avLst/>
@@ -8391,15 +9911,13 @@
           <a:p>
             <a:r>
               <a:rPr lang="it-IT" sz="2400" dirty="0"/>
-              <a:t>Dopo aver de-</a:t>
-            </a:r>
-            <a:r>
-              <a:rPr lang="it-IT" sz="2400" dirty="0" err="1"/>
-              <a:t>trendizzato</a:t>
-            </a:r>
+              <a:t>Sia per i dati de-trendizzati che non cerchiamo di ‘pulire’ gli outliers trovati, interpolandoli con valori più consoni alla media del periodo osservato.</a:t>
+            </a:r>
+          </a:p>
+          <a:p>
             <a:r>
               <a:rPr lang="it-IT" sz="2400" dirty="0"/>
-              <a:t> i dati, </a:t>
+              <a:t>Dopo aver de-trendizzato i dati, </a:t>
             </a:r>
           </a:p>
           <a:p>
@@ -9831,8 +11349,8 @@
         </p:blipFill>
         <p:spPr>
           <a:xfrm>
-            <a:off x="7124280" y="896339"/>
-            <a:ext cx="5042924" cy="3782193"/>
+            <a:off x="7206732" y="896339"/>
+            <a:ext cx="4960472" cy="3782193"/>
           </a:xfrm>
           <a:prstGeom prst="rect">
             <a:avLst/>
@@ -9855,14 +11373,6 @@
 <file path=ppt/slides/slide9.xml><?xml version="1.0" encoding="utf-8"?>
 <p:sld xmlns:a="http://schemas.openxmlformats.org/drawingml/2006/main" xmlns:r="http://schemas.openxmlformats.org/officeDocument/2006/relationships" xmlns:p="http://schemas.openxmlformats.org/presentationml/2006/main">
   <p:cSld>
-    <p:bg>
-      <p:bgPr>
-        <a:solidFill>
-          <a:schemeClr val="bg1"/>
-        </a:solidFill>
-        <a:effectLst/>
-      </p:bgPr>
-    </p:bg>
     <p:spTree>
       <p:nvGrpSpPr>
         <p:cNvPr id="1" name=""/>
@@ -9877,158 +11387,12 @@
           <a:chExt cx="0" cy="0"/>
         </a:xfrm>
       </p:grpSpPr>
-      <p:sp>
-        <p:nvSpPr>
-          <p:cNvPr id="7" name="Rectangle 6">
+      <p:pic>
+        <p:nvPicPr>
+          <p:cNvPr id="5" name="Picture 4">
             <a:extLst>
               <a:ext uri="{FF2B5EF4-FFF2-40B4-BE49-F238E27FC236}">
-                <a16:creationId xmlns:a16="http://schemas.microsoft.com/office/drawing/2014/main" id="{2F8F80BB-E8B6-43B3-9462-B4D497D2802A}"/>
-              </a:ext>
-              <a:ext uri="{C183D7F6-B498-43B3-948B-1728B52AA6E4}">
-                <adec:decorative xmlns:adec="http://schemas.microsoft.com/office/drawing/2017/decorative" val="1"/>
-              </a:ext>
-            </a:extLst>
-          </p:cNvPr>
-          <p:cNvSpPr>
-            <a:spLocks noGrp="1" noRot="1" noChangeAspect="1" noMove="1" noResize="1" noEditPoints="1" noAdjustHandles="1" noChangeArrowheads="1" noChangeShapeType="1" noTextEdit="1"/>
-          </p:cNvSpPr>
-          <p:nvPr>
-            <p:extLst>
-              <p:ext uri="{386F3935-93C4-4BCD-93E2-E3B085C9AB24}">
-                <p16:designElem xmlns:p16="http://schemas.microsoft.com/office/powerpoint/2015/main" val="1"/>
-              </p:ext>
-            </p:extLst>
-          </p:nvPr>
-        </p:nvSpPr>
-        <p:spPr>
-          <a:xfrm>
-            <a:off x="0" y="0"/>
-            <a:ext cx="12192000" cy="6858000"/>
-          </a:xfrm>
-          <a:prstGeom prst="rect">
-            <a:avLst/>
-          </a:prstGeom>
-          <a:solidFill>
-            <a:srgbClr val="FFFFFF"/>
-          </a:solidFill>
-          <a:ln>
-            <a:noFill/>
-          </a:ln>
-        </p:spPr>
-        <p:style>
-          <a:lnRef idx="2">
-            <a:schemeClr val="accent1">
-              <a:shade val="50000"/>
-            </a:schemeClr>
-          </a:lnRef>
-          <a:fillRef idx="1">
-            <a:schemeClr val="accent1"/>
-          </a:fillRef>
-          <a:effectRef idx="0">
-            <a:schemeClr val="accent1"/>
-          </a:effectRef>
-          <a:fontRef idx="minor">
-            <a:schemeClr val="lt1"/>
-          </a:fontRef>
-        </p:style>
-        <p:txBody>
-          <a:bodyPr rtlCol="0" anchor="ctr"/>
-          <a:lstStyle/>
-          <a:p>
-            <a:pPr marL="0" marR="0" lvl="0" indent="0" algn="ctr" defTabSz="457200" rtl="0" eaLnBrk="1" fontAlgn="auto" latinLnBrk="0" hangingPunct="1">
-              <a:lnSpc>
-                <a:spcPct val="100000"/>
-              </a:lnSpc>
-              <a:spcBef>
-                <a:spcPts val="0"/>
-              </a:spcBef>
-              <a:spcAft>
-                <a:spcPts val="0"/>
-              </a:spcAft>
-              <a:buClrTx/>
-              <a:buSzTx/>
-              <a:buFontTx/>
-              <a:buNone/>
-              <a:tabLst/>
-              <a:defRPr/>
-            </a:pPr>
-            <a:endParaRPr kumimoji="0" lang="en-US" sz="1800" b="0" i="0" u="none" strike="noStrike" kern="1200" cap="none" spc="0" normalizeH="0" baseline="0" noProof="0">
-              <a:ln>
-                <a:noFill/>
-              </a:ln>
-              <a:solidFill>
-                <a:prstClr val="white"/>
-              </a:solidFill>
-              <a:effectLst/>
-              <a:uLnTx/>
-              <a:uFillTx/>
-              <a:latin typeface="Gill Sans MT" panose="020B0502020104020203"/>
-              <a:ea typeface="+mn-ea"/>
-              <a:cs typeface="+mn-cs"/>
-            </a:endParaRPr>
-          </a:p>
-        </p:txBody>
-      </p:sp>
-      <p:sp>
-        <p:nvSpPr>
-          <p:cNvPr id="9" name="Rectangle 8">
-            <a:extLst>
-              <a:ext uri="{FF2B5EF4-FFF2-40B4-BE49-F238E27FC236}">
-                <a16:creationId xmlns:a16="http://schemas.microsoft.com/office/drawing/2014/main" id="{942C8AD6-8796-482B-ACC1-6D686B08E7AC}"/>
-              </a:ext>
-              <a:ext uri="{C183D7F6-B498-43B3-948B-1728B52AA6E4}">
-                <adec:decorative xmlns:adec="http://schemas.microsoft.com/office/drawing/2017/decorative" val="1"/>
-              </a:ext>
-            </a:extLst>
-          </p:cNvPr>
-          <p:cNvSpPr>
-            <a:spLocks noGrp="1" noRot="1" noChangeAspect="1" noMove="1" noResize="1" noEditPoints="1" noAdjustHandles="1" noChangeArrowheads="1" noChangeShapeType="1" noTextEdit="1"/>
-          </p:cNvSpPr>
-          <p:nvPr>
-            <p:extLst>
-              <p:ext uri="{386F3935-93C4-4BCD-93E2-E3B085C9AB24}">
-                <p16:designElem xmlns:p16="http://schemas.microsoft.com/office/powerpoint/2015/main" val="1"/>
-              </p:ext>
-            </p:extLst>
-          </p:nvPr>
-        </p:nvSpPr>
-        <p:spPr>
-          <a:xfrm>
-            <a:off x="446533" y="457201"/>
-            <a:ext cx="1240822" cy="5859735"/>
-          </a:xfrm>
-          <a:prstGeom prst="rect">
-            <a:avLst/>
-          </a:prstGeom>
-          <a:solidFill>
-            <a:schemeClr val="accent1"/>
-          </a:solidFill>
-          <a:ln>
-            <a:noFill/>
-          </a:ln>
-          <a:effectLst/>
-        </p:spPr>
-        <p:style>
-          <a:lnRef idx="1">
-            <a:schemeClr val="accent1"/>
-          </a:lnRef>
-          <a:fillRef idx="3">
-            <a:schemeClr val="accent1"/>
-          </a:fillRef>
-          <a:effectRef idx="2">
-            <a:schemeClr val="accent1"/>
-          </a:effectRef>
-          <a:fontRef idx="minor">
-            <a:schemeClr val="lt1"/>
-          </a:fontRef>
-        </p:style>
-      </p:sp>
-      <p:pic>
-        <p:nvPicPr>
-          <p:cNvPr id="2" name="Picture 1">
-            <a:extLst>
-              <a:ext uri="{FF2B5EF4-FFF2-40B4-BE49-F238E27FC236}">
-                <a16:creationId xmlns:a16="http://schemas.microsoft.com/office/drawing/2014/main" id="{2C803EDD-73DF-4FD2-A28A-5BC69726701C}"/>
+                <a16:creationId xmlns:a16="http://schemas.microsoft.com/office/drawing/2014/main" id="{A36BC245-150B-49CB-9D0F-88705B7FA9F1}"/>
               </a:ext>
             </a:extLst>
           </p:cNvPr>
@@ -10045,8 +11409,8 @@
         </p:blipFill>
         <p:spPr>
           <a:xfrm>
-            <a:off x="2217465" y="1142600"/>
-            <a:ext cx="6090496" cy="4572800"/>
+            <a:off x="6096000" y="515566"/>
+            <a:ext cx="5674468" cy="4620638"/>
           </a:xfrm>
           <a:prstGeom prst="rect">
             <a:avLst/>
@@ -10055,166 +11419,237 @@
       </p:pic>
       <p:sp>
         <p:nvSpPr>
-          <p:cNvPr id="11" name="Rectangle 10">
+          <p:cNvPr id="6" name="Rectangle 5">
             <a:extLst>
               <a:ext uri="{FF2B5EF4-FFF2-40B4-BE49-F238E27FC236}">
-                <a16:creationId xmlns:a16="http://schemas.microsoft.com/office/drawing/2014/main" id="{B6B3BF72-6DFA-42DA-A667-9E3A1BCFF7EB}"/>
-              </a:ext>
-              <a:ext uri="{C183D7F6-B498-43B3-948B-1728B52AA6E4}">
-                <adec:decorative xmlns:adec="http://schemas.microsoft.com/office/drawing/2017/decorative" val="1"/>
+                <a16:creationId xmlns:a16="http://schemas.microsoft.com/office/drawing/2014/main" id="{E23E16D9-9D33-4783-9021-E1AC9A5B4D20}"/>
               </a:ext>
             </a:extLst>
           </p:cNvPr>
-          <p:cNvSpPr>
-            <a:spLocks noGrp="1" noRot="1" noChangeAspect="1" noMove="1" noResize="1" noEditPoints="1" noAdjustHandles="1" noChangeArrowheads="1" noChangeShapeType="1" noTextEdit="1"/>
-          </p:cNvSpPr>
-          <p:nvPr>
-            <p:extLst>
-              <p:ext uri="{386F3935-93C4-4BCD-93E2-E3B085C9AB24}">
-                <p16:designElem xmlns:p16="http://schemas.microsoft.com/office/powerpoint/2015/main" val="1"/>
-              </p:ext>
-            </p:extLst>
-          </p:nvPr>
+          <p:cNvSpPr/>
+          <p:nvPr/>
         </p:nvSpPr>
         <p:spPr>
           <a:xfrm>
-            <a:off x="1775059" y="457202"/>
-            <a:ext cx="9970407" cy="5856457"/>
+            <a:off x="376136" y="1452154"/>
+            <a:ext cx="6096000" cy="1600438"/>
           </a:xfrm>
           <a:prstGeom prst="rect">
             <a:avLst/>
           </a:prstGeom>
-          <a:noFill/>
-          <a:ln w="9525"/>
         </p:spPr>
-        <p:style>
-          <a:lnRef idx="2">
-            <a:schemeClr val="accent1">
-              <a:shade val="50000"/>
-            </a:schemeClr>
-          </a:lnRef>
-          <a:fillRef idx="1">
-            <a:schemeClr val="accent1"/>
-          </a:fillRef>
-          <a:effectRef idx="0">
-            <a:schemeClr val="accent1"/>
-          </a:effectRef>
-          <a:fontRef idx="minor">
-            <a:schemeClr val="lt1"/>
-          </a:fontRef>
-        </p:style>
         <p:txBody>
-          <a:bodyPr rtlCol="0" anchor="ctr"/>
+          <a:bodyPr>
+            <a:spAutoFit/>
+          </a:bodyPr>
           <a:lstStyle/>
           <a:p>
-            <a:pPr algn="ctr"/>
-            <a:endParaRPr lang="en-US"/>
+            <a:r>
+              <a:rPr lang="en-GB" sz="1600" dirty="0" err="1"/>
+              <a:t>Anche</a:t>
+            </a:r>
+            <a:r>
+              <a:rPr lang="en-GB" sz="1600" dirty="0"/>
+              <a:t> qui, con </a:t>
+            </a:r>
+            <a:r>
+              <a:rPr lang="en-GB" sz="1600" dirty="0" err="1"/>
+              <a:t>modelli</a:t>
+            </a:r>
+            <a:r>
+              <a:rPr lang="en-GB" sz="1600" dirty="0"/>
+              <a:t> di </a:t>
+            </a:r>
+            <a:r>
+              <a:rPr lang="en-GB" sz="1600" dirty="0" err="1"/>
+              <a:t>complessità</a:t>
+            </a:r>
+            <a:r>
+              <a:rPr lang="en-GB" sz="1600" dirty="0"/>
+              <a:t> </a:t>
+            </a:r>
+            <a:r>
+              <a:rPr lang="en-GB" sz="1600" dirty="0" err="1"/>
+              <a:t>crescente</a:t>
+            </a:r>
+            <a:r>
+              <a:rPr lang="en-GB" sz="1600" dirty="0"/>
+              <a:t>, la </a:t>
+            </a:r>
+            <a:r>
+              <a:rPr lang="en-GB" sz="1600" dirty="0" err="1"/>
+              <a:t>qualità</a:t>
+            </a:r>
+            <a:r>
+              <a:rPr lang="en-GB" sz="1600" dirty="0"/>
+              <a:t> </a:t>
+            </a:r>
+            <a:r>
+              <a:rPr lang="en-GB" sz="1600" dirty="0" err="1"/>
+              <a:t>della</a:t>
+            </a:r>
+            <a:r>
+              <a:rPr lang="en-GB" sz="1600" dirty="0"/>
+              <a:t> </a:t>
+            </a:r>
+            <a:r>
+              <a:rPr lang="en-GB" sz="1600" dirty="0" err="1"/>
+              <a:t>predizione</a:t>
+            </a:r>
+            <a:r>
+              <a:rPr lang="en-GB" sz="1600" dirty="0"/>
+              <a:t> </a:t>
+            </a:r>
+            <a:r>
+              <a:rPr lang="en-GB" sz="1600" dirty="0" err="1"/>
+              <a:t>scema</a:t>
+            </a:r>
+            <a:r>
+              <a:rPr lang="en-GB" sz="1600" dirty="0"/>
+              <a:t> da un Fourier a 28 </a:t>
+            </a:r>
+            <a:r>
+              <a:rPr lang="en-GB" sz="1600" dirty="0" err="1"/>
+              <a:t>armoniche</a:t>
+            </a:r>
+            <a:r>
+              <a:rPr lang="en-GB" sz="1600" dirty="0"/>
+              <a:t> in poi.</a:t>
+            </a:r>
+          </a:p>
+          <a:p>
+            <a:r>
+              <a:rPr lang="en-GB" sz="1600" dirty="0"/>
+              <a:t>Il </a:t>
+            </a:r>
+            <a:r>
+              <a:rPr lang="en-GB" sz="1600" dirty="0" err="1"/>
+              <a:t>modello</a:t>
+            </a:r>
+            <a:r>
+              <a:rPr lang="en-GB" sz="1600" dirty="0"/>
+              <a:t> con 14 </a:t>
+            </a:r>
+            <a:r>
+              <a:rPr lang="en-GB" sz="1600" dirty="0" err="1"/>
+              <a:t>armoniche</a:t>
+            </a:r>
+            <a:r>
+              <a:rPr lang="en-GB" sz="1600" dirty="0"/>
+              <a:t> </a:t>
+            </a:r>
+            <a:r>
+              <a:rPr lang="en-GB" sz="1600" dirty="0" err="1"/>
+              <a:t>sembra</a:t>
+            </a:r>
+            <a:r>
+              <a:rPr lang="en-GB" sz="1600" dirty="0"/>
+              <a:t> </a:t>
+            </a:r>
+            <a:r>
+              <a:rPr lang="en-GB" sz="1600" dirty="0" err="1"/>
+              <a:t>interessante</a:t>
+            </a:r>
+            <a:r>
+              <a:rPr lang="en-GB" sz="1600" dirty="0"/>
+              <a:t>.</a:t>
+            </a:r>
+          </a:p>
+          <a:p>
+            <a:r>
+              <a:rPr lang="en-GB" sz="1600" dirty="0" err="1"/>
+              <a:t>Torniamo</a:t>
+            </a:r>
+            <a:r>
+              <a:rPr lang="en-GB" sz="1600" dirty="0"/>
+              <a:t> ad un dataset non </a:t>
+            </a:r>
+            <a:r>
+              <a:rPr lang="en-GB" sz="1600" dirty="0" err="1"/>
+              <a:t>detrendizzato</a:t>
+            </a:r>
+            <a:r>
+              <a:rPr lang="en-GB" sz="1600" dirty="0"/>
+              <a:t> per </a:t>
+            </a:r>
+            <a:r>
+              <a:rPr lang="en-GB" sz="1600" dirty="0" err="1"/>
+              <a:t>utilizzare</a:t>
+            </a:r>
+            <a:r>
+              <a:rPr lang="en-GB" sz="1600" dirty="0"/>
+              <a:t> </a:t>
+            </a:r>
+            <a:r>
+              <a:rPr lang="en-GB" sz="1600" dirty="0" err="1"/>
+              <a:t>il</a:t>
+            </a:r>
+            <a:r>
+              <a:rPr lang="en-GB" sz="1600" dirty="0"/>
+              <a:t> </a:t>
+            </a:r>
+            <a:r>
+              <a:rPr lang="en-GB" sz="1600" b="1" dirty="0" err="1"/>
+              <a:t>predittore</a:t>
+            </a:r>
+            <a:r>
+              <a:rPr lang="en-GB" sz="1600" b="1" dirty="0"/>
+              <a:t> </a:t>
+            </a:r>
+            <a:r>
+              <a:rPr lang="en-GB" sz="1600" b="1" dirty="0" err="1"/>
+              <a:t>neurale</a:t>
+            </a:r>
+            <a:r>
+              <a:rPr lang="en-GB" sz="1600" dirty="0"/>
+              <a:t>.</a:t>
+            </a:r>
+            <a:br>
+              <a:rPr lang="en-GB" dirty="0"/>
+            </a:br>
+            <a:endParaRPr lang="it-IT" dirty="0"/>
           </a:p>
         </p:txBody>
       </p:sp>
       <p:sp>
         <p:nvSpPr>
-          <p:cNvPr id="3" name="TextBox 2">
+          <p:cNvPr id="7" name="Rectangle 6">
             <a:extLst>
               <a:ext uri="{FF2B5EF4-FFF2-40B4-BE49-F238E27FC236}">
-                <a16:creationId xmlns:a16="http://schemas.microsoft.com/office/drawing/2014/main" id="{286FE2F7-2B87-4E21-B490-C31A80266585}"/>
+                <a16:creationId xmlns:a16="http://schemas.microsoft.com/office/drawing/2014/main" id="{79C10ED7-A913-4C5D-AC25-A96A93E3860C}"/>
               </a:ext>
             </a:extLst>
           </p:cNvPr>
-          <p:cNvSpPr txBox="1"/>
+          <p:cNvSpPr/>
           <p:nvPr/>
         </p:nvSpPr>
         <p:spPr>
           <a:xfrm>
-            <a:off x="9190604" y="1502229"/>
-            <a:ext cx="2304710" cy="2031325"/>
+            <a:off x="391885" y="893678"/>
+            <a:ext cx="3370500" cy="369332"/>
           </a:xfrm>
           <a:prstGeom prst="rect">
             <a:avLst/>
           </a:prstGeom>
-          <a:noFill/>
         </p:spPr>
         <p:txBody>
-          <a:bodyPr wrap="square" rtlCol="0">
+          <a:bodyPr wrap="square">
             <a:spAutoFit/>
           </a:bodyPr>
           <a:lstStyle/>
           <a:p>
             <a:r>
-              <a:rPr lang="en-GB" dirty="0" err="1"/>
-              <a:t>Addestrata</a:t>
-            </a:r>
-            <a:r>
-              <a:rPr lang="en-GB" dirty="0"/>
-              <a:t> rete </a:t>
-            </a:r>
-            <a:r>
-              <a:rPr lang="en-GB" dirty="0" err="1"/>
-              <a:t>ottenendo</a:t>
-            </a:r>
-            <a:r>
-              <a:rPr lang="en-GB" dirty="0"/>
-              <a:t> </a:t>
-            </a:r>
-            <a:r>
-              <a:rPr lang="en-GB" dirty="0" err="1"/>
-              <a:t>risultati</a:t>
-            </a:r>
-            <a:r>
-              <a:rPr lang="en-GB" dirty="0"/>
-              <a:t> </a:t>
-            </a:r>
-            <a:r>
-              <a:rPr lang="en-GB" dirty="0" err="1"/>
-              <a:t>migliori</a:t>
-            </a:r>
-            <a:r>
-              <a:rPr lang="en-GB" dirty="0"/>
-              <a:t> con </a:t>
-            </a:r>
-            <a:r>
-              <a:rPr lang="en-GB" dirty="0" err="1"/>
-              <a:t>l’algoritmo</a:t>
-            </a:r>
-            <a:r>
-              <a:rPr lang="en-GB" dirty="0"/>
-              <a:t> di </a:t>
-            </a:r>
-            <a:r>
-              <a:rPr lang="en-GB" dirty="0" err="1"/>
-              <a:t>bayes</a:t>
-            </a:r>
-            <a:r>
-              <a:rPr lang="en-GB" dirty="0"/>
-              <a:t>(11)</a:t>
-            </a:r>
-          </a:p>
-          <a:p>
-            <a:r>
-              <a:rPr lang="en-GB" dirty="0" err="1"/>
-              <a:t>Gradiente</a:t>
-            </a:r>
-            <a:r>
-              <a:rPr lang="en-GB" dirty="0"/>
-              <a:t>(12) </a:t>
-            </a:r>
-          </a:p>
-          <a:p>
-            <a:r>
-              <a:rPr lang="en-GB" dirty="0" err="1"/>
-              <a:t>Lineare</a:t>
-            </a:r>
-            <a:r>
-              <a:rPr lang="en-GB" dirty="0"/>
-              <a:t>(14)</a:t>
-            </a:r>
+              <a:rPr lang="it-IT" b="1" dirty="0"/>
+              <a:t>Fourier 14 armoniche</a:t>
+            </a:r>
+            <a:endParaRPr lang="en-GB" b="1" dirty="0"/>
           </a:p>
         </p:txBody>
       </p:sp>
     </p:spTree>
     <p:extLst>
       <p:ext uri="{BB962C8B-B14F-4D97-AF65-F5344CB8AC3E}">
-        <p14:creationId xmlns:p14="http://schemas.microsoft.com/office/powerpoint/2010/main" val="3455604876"/>
+        <p14:creationId xmlns:p14="http://schemas.microsoft.com/office/powerpoint/2010/main" val="665283558"/>
       </p:ext>
     </p:extLst>
   </p:cSld>
